--- a/assets/ppt/Green and Orange Illustrative Quiz Time Presentation.pptx
+++ b/assets/ppt/Green and Orange Illustrative Quiz Time Presentation.pptx
@@ -329,7 +329,7 @@
             <a:fld id="{1D8BD707-D9CF-40AE-B4C6-C98DA3205C09}" type="datetimeFigureOut">
               <a:rPr lang="en-US" smtClean="0"/>
               <a:pPr/>
-              <a:t>11/11/2025</a:t>
+              <a:t>11/12/2025</a:t>
             </a:fld>
             <a:endParaRPr lang="en-US"/>
           </a:p>
@@ -494,7 +494,7 @@
             <a:fld id="{1D8BD707-D9CF-40AE-B4C6-C98DA3205C09}" type="datetimeFigureOut">
               <a:rPr lang="en-US" smtClean="0"/>
               <a:pPr/>
-              <a:t>11/11/2025</a:t>
+              <a:t>11/12/2025</a:t>
             </a:fld>
             <a:endParaRPr lang="en-US"/>
           </a:p>
@@ -669,7 +669,7 @@
             <a:fld id="{1D8BD707-D9CF-40AE-B4C6-C98DA3205C09}" type="datetimeFigureOut">
               <a:rPr lang="en-US" smtClean="0"/>
               <a:pPr/>
-              <a:t>11/11/2025</a:t>
+              <a:t>11/12/2025</a:t>
             </a:fld>
             <a:endParaRPr lang="en-US"/>
           </a:p>
@@ -834,7 +834,7 @@
             <a:fld id="{1D8BD707-D9CF-40AE-B4C6-C98DA3205C09}" type="datetimeFigureOut">
               <a:rPr lang="en-US" smtClean="0"/>
               <a:pPr/>
-              <a:t>11/11/2025</a:t>
+              <a:t>11/12/2025</a:t>
             </a:fld>
             <a:endParaRPr lang="en-US"/>
           </a:p>
@@ -1076,7 +1076,7 @@
             <a:fld id="{1D8BD707-D9CF-40AE-B4C6-C98DA3205C09}" type="datetimeFigureOut">
               <a:rPr lang="en-US" smtClean="0"/>
               <a:pPr/>
-              <a:t>11/11/2025</a:t>
+              <a:t>11/12/2025</a:t>
             </a:fld>
             <a:endParaRPr lang="en-US"/>
           </a:p>
@@ -1358,7 +1358,7 @@
             <a:fld id="{1D8BD707-D9CF-40AE-B4C6-C98DA3205C09}" type="datetimeFigureOut">
               <a:rPr lang="en-US" smtClean="0"/>
               <a:pPr/>
-              <a:t>11/11/2025</a:t>
+              <a:t>11/12/2025</a:t>
             </a:fld>
             <a:endParaRPr lang="en-US"/>
           </a:p>
@@ -1774,7 +1774,7 @@
             <a:fld id="{1D8BD707-D9CF-40AE-B4C6-C98DA3205C09}" type="datetimeFigureOut">
               <a:rPr lang="en-US" smtClean="0"/>
               <a:pPr/>
-              <a:t>11/11/2025</a:t>
+              <a:t>11/12/2025</a:t>
             </a:fld>
             <a:endParaRPr lang="en-US"/>
           </a:p>
@@ -1888,7 +1888,7 @@
             <a:fld id="{1D8BD707-D9CF-40AE-B4C6-C98DA3205C09}" type="datetimeFigureOut">
               <a:rPr lang="en-US" smtClean="0"/>
               <a:pPr/>
-              <a:t>11/11/2025</a:t>
+              <a:t>11/12/2025</a:t>
             </a:fld>
             <a:endParaRPr lang="en-US"/>
           </a:p>
@@ -1980,7 +1980,7 @@
             <a:fld id="{1D8BD707-D9CF-40AE-B4C6-C98DA3205C09}" type="datetimeFigureOut">
               <a:rPr lang="en-US" smtClean="0"/>
               <a:pPr/>
-              <a:t>11/11/2025</a:t>
+              <a:t>11/12/2025</a:t>
             </a:fld>
             <a:endParaRPr lang="en-US"/>
           </a:p>
@@ -2252,7 +2252,7 @@
             <a:fld id="{1D8BD707-D9CF-40AE-B4C6-C98DA3205C09}" type="datetimeFigureOut">
               <a:rPr lang="en-US" smtClean="0"/>
               <a:pPr/>
-              <a:t>11/11/2025</a:t>
+              <a:t>11/12/2025</a:t>
             </a:fld>
             <a:endParaRPr lang="en-US"/>
           </a:p>
@@ -2501,7 +2501,7 @@
             <a:fld id="{1D8BD707-D9CF-40AE-B4C6-C98DA3205C09}" type="datetimeFigureOut">
               <a:rPr lang="en-US" smtClean="0"/>
               <a:pPr/>
-              <a:t>11/11/2025</a:t>
+              <a:t>11/12/2025</a:t>
             </a:fld>
             <a:endParaRPr lang="en-US"/>
           </a:p>
@@ -2709,7 +2709,7 @@
             <a:fld id="{1D8BD707-D9CF-40AE-B4C6-C98DA3205C09}" type="datetimeFigureOut">
               <a:rPr lang="en-US" smtClean="0"/>
               <a:pPr/>
-              <a:t>11/11/2025</a:t>
+              <a:t>11/12/2025</a:t>
             </a:fld>
             <a:endParaRPr lang="en-US"/>
           </a:p>
@@ -3251,8 +3251,8 @@
         </p:nvSpPr>
         <p:spPr>
           <a:xfrm>
-            <a:off x="0" y="2876274"/>
-            <a:ext cx="5753418" cy="7410726"/>
+            <a:off x="261201" y="2171700"/>
+            <a:ext cx="5134297" cy="6432887"/>
           </a:xfrm>
           <a:custGeom>
             <a:avLst/>
@@ -3298,7 +3298,7 @@
           <a:bodyPr/>
           <a:lstStyle/>
           <a:p>
-            <a:endParaRPr lang="es-MX"/>
+            <a:endParaRPr lang="es-MX" dirty="0"/>
           </a:p>
         </p:txBody>
       </p:sp>
@@ -3683,7 +3683,7 @@
               </a:lnSpc>
             </a:pPr>
             <a:r>
-              <a:rPr lang="en-US" sz="4977" b="1">
+              <a:rPr lang="en-US" sz="4977" b="1" dirty="0">
                 <a:solidFill>
                   <a:srgbClr val="181B22"/>
                 </a:solidFill>
@@ -3694,14 +3694,234 @@
               </a:rPr>
               <a:t>JUGUEMOS</a:t>
             </a:r>
-            <a:endParaRPr lang="en-US" sz="4977" b="1" dirty="0">
+          </a:p>
+        </p:txBody>
+      </p:sp>
+      <p:grpSp>
+        <p:nvGrpSpPr>
+          <p:cNvPr id="13" name="Group 24">
+            <a:extLst>
+              <a:ext uri="{FF2B5EF4-FFF2-40B4-BE49-F238E27FC236}">
+                <a16:creationId xmlns:a16="http://schemas.microsoft.com/office/drawing/2014/main" id="{8BBA02E1-37E5-33C5-21B2-3B3915E2A9D2}"/>
+              </a:ext>
+            </a:extLst>
+          </p:cNvPr>
+          <p:cNvGrpSpPr/>
+          <p:nvPr/>
+        </p:nvGrpSpPr>
+        <p:grpSpPr>
+          <a:xfrm>
+            <a:off x="13411200" y="8518808"/>
+            <a:ext cx="3202198" cy="1324611"/>
+            <a:chOff x="0" y="0"/>
+            <a:chExt cx="960413" cy="360487"/>
+          </a:xfrm>
+        </p:grpSpPr>
+        <p:sp>
+          <p:nvSpPr>
+            <p:cNvPr id="14" name="Freeform 25">
+              <a:extLst>
+                <a:ext uri="{FF2B5EF4-FFF2-40B4-BE49-F238E27FC236}">
+                  <a16:creationId xmlns:a16="http://schemas.microsoft.com/office/drawing/2014/main" id="{CE605BAF-AC5F-3DA3-D2BA-102074C70BE5}"/>
+                </a:ext>
+              </a:extLst>
+            </p:cNvPr>
+            <p:cNvSpPr/>
+            <p:nvPr/>
+          </p:nvSpPr>
+          <p:spPr>
+            <a:xfrm>
+              <a:off x="0" y="0"/>
+              <a:ext cx="960413" cy="360487"/>
+            </a:xfrm>
+            <a:custGeom>
+              <a:avLst/>
+              <a:gdLst/>
+              <a:ahLst/>
+              <a:cxnLst/>
+              <a:rect l="l" t="t" r="r" b="b"/>
+              <a:pathLst>
+                <a:path w="960413" h="360487">
+                  <a:moveTo>
+                    <a:pt x="82800" y="0"/>
+                  </a:moveTo>
+                  <a:lnTo>
+                    <a:pt x="877613" y="0"/>
+                  </a:lnTo>
+                  <a:cubicBezTo>
+                    <a:pt x="899573" y="0"/>
+                    <a:pt x="920633" y="8724"/>
+                    <a:pt x="936161" y="24251"/>
+                  </a:cubicBezTo>
+                  <a:cubicBezTo>
+                    <a:pt x="951689" y="39779"/>
+                    <a:pt x="960413" y="60840"/>
+                    <a:pt x="960413" y="82800"/>
+                  </a:cubicBezTo>
+                  <a:lnTo>
+                    <a:pt x="960413" y="277687"/>
+                  </a:lnTo>
+                  <a:cubicBezTo>
+                    <a:pt x="960413" y="299647"/>
+                    <a:pt x="951689" y="320707"/>
+                    <a:pt x="936161" y="336235"/>
+                  </a:cubicBezTo>
+                  <a:cubicBezTo>
+                    <a:pt x="920633" y="351763"/>
+                    <a:pt x="899573" y="360487"/>
+                    <a:pt x="877613" y="360487"/>
+                  </a:cubicBezTo>
+                  <a:lnTo>
+                    <a:pt x="82800" y="360487"/>
+                  </a:lnTo>
+                  <a:cubicBezTo>
+                    <a:pt x="60840" y="360487"/>
+                    <a:pt x="39779" y="351763"/>
+                    <a:pt x="24251" y="336235"/>
+                  </a:cubicBezTo>
+                  <a:cubicBezTo>
+                    <a:pt x="8724" y="320707"/>
+                    <a:pt x="0" y="299647"/>
+                    <a:pt x="0" y="277687"/>
+                  </a:cubicBezTo>
+                  <a:lnTo>
+                    <a:pt x="0" y="82800"/>
+                  </a:lnTo>
+                  <a:cubicBezTo>
+                    <a:pt x="0" y="60840"/>
+                    <a:pt x="8724" y="39779"/>
+                    <a:pt x="24251" y="24251"/>
+                  </a:cubicBezTo>
+                  <a:cubicBezTo>
+                    <a:pt x="39779" y="8724"/>
+                    <a:pt x="60840" y="0"/>
+                    <a:pt x="82800" y="0"/>
+                  </a:cubicBezTo>
+                  <a:close/>
+                </a:path>
+              </a:pathLst>
+            </a:custGeom>
+            <a:solidFill>
+              <a:srgbClr val="F7F3F0"/>
+            </a:solidFill>
+            <a:ln w="38100" cap="rnd">
               <a:solidFill>
-                <a:srgbClr val="181B22"/>
+                <a:srgbClr val="D78F28"/>
               </a:solidFill>
-              <a:latin typeface="Balsamiq Sans Bold"/>
-              <a:ea typeface="Balsamiq Sans Bold"/>
-              <a:cs typeface="Balsamiq Sans Bold"/>
-              <a:sym typeface="Balsamiq Sans Bold"/>
+              <a:prstDash val="solid"/>
+              <a:round/>
+            </a:ln>
+          </p:spPr>
+          <p:txBody>
+            <a:bodyPr/>
+            <a:lstStyle/>
+            <a:p>
+              <a:endParaRPr lang="es-MX"/>
+            </a:p>
+          </p:txBody>
+        </p:sp>
+        <p:sp>
+          <p:nvSpPr>
+            <p:cNvPr id="15" name="TextBox 26">
+              <a:extLst>
+                <a:ext uri="{FF2B5EF4-FFF2-40B4-BE49-F238E27FC236}">
+                  <a16:creationId xmlns:a16="http://schemas.microsoft.com/office/drawing/2014/main" id="{4EE32442-EE31-9048-AE6C-17DF4BF46556}"/>
+                </a:ext>
+              </a:extLst>
+            </p:cNvPr>
+            <p:cNvSpPr txBox="1"/>
+            <p:nvPr/>
+          </p:nvSpPr>
+          <p:spPr>
+            <a:xfrm>
+              <a:off x="0" y="-38100"/>
+              <a:ext cx="960413" cy="398587"/>
+            </a:xfrm>
+            <a:prstGeom prst="rect">
+              <a:avLst/>
+            </a:prstGeom>
+          </p:spPr>
+          <p:txBody>
+            <a:bodyPr lIns="50800" tIns="50800" rIns="50800" bIns="50800" rtlCol="0" anchor="ctr"/>
+            <a:lstStyle/>
+            <a:p>
+              <a:pPr algn="ctr">
+                <a:lnSpc>
+                  <a:spcPts val="2659"/>
+                </a:lnSpc>
+              </a:pPr>
+              <a:endParaRPr/>
+            </a:p>
+          </p:txBody>
+        </p:sp>
+      </p:grpSp>
+      <p:sp>
+        <p:nvSpPr>
+          <p:cNvPr id="19" name="CuadroTexto 18">
+            <a:extLst>
+              <a:ext uri="{FF2B5EF4-FFF2-40B4-BE49-F238E27FC236}">
+                <a16:creationId xmlns:a16="http://schemas.microsoft.com/office/drawing/2014/main" id="{A6D4F7F7-E6AF-13B6-84C6-DE9A84A38AD6}"/>
+              </a:ext>
+            </a:extLst>
+          </p:cNvPr>
+          <p:cNvSpPr txBox="1"/>
+          <p:nvPr/>
+        </p:nvSpPr>
+        <p:spPr>
+          <a:xfrm>
+            <a:off x="13707516" y="8459926"/>
+            <a:ext cx="12545290" cy="1077218"/>
+          </a:xfrm>
+          <a:prstGeom prst="rect">
+            <a:avLst/>
+          </a:prstGeom>
+          <a:noFill/>
+        </p:spPr>
+        <p:txBody>
+          <a:bodyPr wrap="square">
+            <a:spAutoFit/>
+          </a:bodyPr>
+          <a:lstStyle/>
+          <a:p>
+            <a:pPr marL="0" lvl="1" indent="0" algn="l">
+              <a:lnSpc>
+                <a:spcPts val="8815"/>
+              </a:lnSpc>
+              <a:spcBef>
+                <a:spcPct val="0"/>
+              </a:spcBef>
+            </a:pPr>
+            <a:r>
+              <a:rPr lang="en-US" sz="3600" dirty="0">
+                <a:solidFill>
+                  <a:schemeClr val="accent6">
+                    <a:lumMod val="75000"/>
+                  </a:schemeClr>
+                </a:solidFill>
+                <a:latin typeface="Balsamiq Sans"/>
+                <a:ea typeface="Balsamiq Sans"/>
+                <a:cs typeface="Balsamiq Sans"/>
+                <a:sym typeface="Balsamiq Sans"/>
+                <a:hlinkClick r:id="rId19" action="ppaction://hlinksldjump">
+                  <a:extLst>
+                    <a:ext uri="{A12FA001-AC4F-418D-AE19-62706E023703}">
+                      <ahyp:hlinkClr xmlns:ahyp="http://schemas.microsoft.com/office/drawing/2018/hyperlinkcolor" val="tx"/>
+                    </a:ext>
+                  </a:extLst>
+                </a:hlinkClick>
+              </a:rPr>
+              <a:t>SIGUIENTE</a:t>
+            </a:r>
+            <a:endParaRPr lang="en-US" sz="3600" dirty="0">
+              <a:solidFill>
+                <a:schemeClr val="accent6">
+                  <a:lumMod val="75000"/>
+                </a:schemeClr>
+              </a:solidFill>
+              <a:latin typeface="Balsamiq Sans"/>
+              <a:ea typeface="Balsamiq Sans"/>
+              <a:cs typeface="Balsamiq Sans"/>
+              <a:sym typeface="Balsamiq Sans"/>
             </a:endParaRPr>
           </a:p>
         </p:txBody>
@@ -3747,7 +3967,7 @@
         </p:nvSpPr>
         <p:spPr>
           <a:xfrm>
-            <a:off x="-3236105" y="-7236605"/>
+            <a:off x="-3058210" y="-6696805"/>
             <a:ext cx="24760210" cy="24760210"/>
           </a:xfrm>
           <a:custGeom>
@@ -4340,7 +4560,7 @@
         </p:nvGrpSpPr>
         <p:grpSpPr>
           <a:xfrm>
-            <a:off x="5689560" y="7022166"/>
+            <a:off x="5689560" y="7006906"/>
             <a:ext cx="4670161" cy="896517"/>
             <a:chOff x="0" y="0"/>
             <a:chExt cx="1230001" cy="236120"/>
@@ -4717,7 +4937,7 @@
         <p:spPr>
           <a:xfrm>
             <a:off x="1028700" y="2332507"/>
-            <a:ext cx="9924823" cy="1085755"/>
+            <a:ext cx="9924823" cy="956800"/>
           </a:xfrm>
           <a:prstGeom prst="rect">
             <a:avLst/>
@@ -4738,16 +4958,32 @@
               </a:spcBef>
             </a:pPr>
             <a:r>
-              <a:rPr lang="en-US" sz="7121" spc="-455">
+              <a:rPr lang="en-US" sz="7121" spc="-455" dirty="0" err="1">
                 <a:solidFill>
-                  <a:srgbClr val="FFFAF8"/>
+                  <a:schemeClr val="accent6">
+                    <a:lumMod val="75000"/>
+                  </a:schemeClr>
                 </a:solidFill>
                 <a:latin typeface="Bungee"/>
                 <a:ea typeface="Bungee"/>
                 <a:cs typeface="Bungee"/>
                 <a:sym typeface="Bungee"/>
               </a:rPr>
-              <a:t>opcion multiple</a:t>
+              <a:t>opcion</a:t>
+            </a:r>
+            <a:r>
+              <a:rPr lang="en-US" sz="7121" spc="-455" dirty="0">
+                <a:solidFill>
+                  <a:schemeClr val="accent6">
+                    <a:lumMod val="75000"/>
+                  </a:schemeClr>
+                </a:solidFill>
+                <a:latin typeface="Bungee"/>
+                <a:ea typeface="Bungee"/>
+                <a:cs typeface="Bungee"/>
+                <a:sym typeface="Bungee"/>
+              </a:rPr>
+              <a:t> multiple</a:t>
             </a:r>
           </a:p>
         </p:txBody>
@@ -4802,7 +5038,7 @@
         <p:spPr>
           <a:xfrm>
             <a:off x="1379470" y="5683300"/>
-            <a:ext cx="4243184" cy="2120572"/>
+            <a:ext cx="4243184" cy="1015086"/>
           </a:xfrm>
           <a:prstGeom prst="rect">
             <a:avLst/>
@@ -4820,36 +5056,27 @@
               </a:lnSpc>
             </a:pPr>
             <a:r>
-              <a:rPr lang="en-US" sz="4385">
-                <a:solidFill>
-                  <a:srgbClr val="000000"/>
-                </a:solidFill>
+              <a:rPr lang="en-US" sz="4385" dirty="0">
                 <a:latin typeface="Balsamiq Sans"/>
                 <a:ea typeface="Balsamiq Sans"/>
                 <a:cs typeface="Balsamiq Sans"/>
                 <a:sym typeface="Balsamiq Sans"/>
+                <a:hlinkClick r:id="rId15" action="ppaction://hlinksldjump">
+                  <a:extLst>
+                    <a:ext uri="{A12FA001-AC4F-418D-AE19-62706E023703}">
+                      <ahyp:hlinkClr xmlns:ahyp="http://schemas.microsoft.com/office/drawing/2018/hyperlinkcolor" val="tx"/>
+                    </a:ext>
+                  </a:extLst>
+                </a:hlinkClick>
               </a:rPr>
               <a:t>A. 2</a:t>
             </a:r>
-          </a:p>
-          <a:p>
-            <a:pPr algn="l">
-              <a:lnSpc>
-                <a:spcPts val="8815"/>
-              </a:lnSpc>
-            </a:pPr>
-            <a:r>
-              <a:rPr lang="en-US" sz="4385">
-                <a:solidFill>
-                  <a:srgbClr val="000000"/>
-                </a:solidFill>
-                <a:latin typeface="Balsamiq Sans"/>
-                <a:ea typeface="Balsamiq Sans"/>
-                <a:cs typeface="Balsamiq Sans"/>
-                <a:sym typeface="Balsamiq Sans"/>
-              </a:rPr>
-              <a:t>B. 8</a:t>
-            </a:r>
+            <a:endParaRPr lang="en-US" sz="4385" dirty="0">
+              <a:latin typeface="Balsamiq Sans"/>
+              <a:ea typeface="Balsamiq Sans"/>
+              <a:cs typeface="Balsamiq Sans"/>
+              <a:sym typeface="Balsamiq Sans"/>
+            </a:endParaRPr>
           </a:p>
         </p:txBody>
       </p:sp>
@@ -4862,7 +5089,7 @@
         <p:spPr>
           <a:xfrm>
             <a:off x="5892064" y="5683300"/>
-            <a:ext cx="4620004" cy="2130483"/>
+            <a:ext cx="4620004" cy="1015086"/>
           </a:xfrm>
           <a:prstGeom prst="rect">
             <a:avLst/>
@@ -4883,39 +5110,43 @@
               </a:spcBef>
             </a:pPr>
             <a:r>
-              <a:rPr lang="en-US" sz="4385" u="none" strike="noStrike">
-                <a:solidFill>
-                  <a:srgbClr val="000000"/>
-                </a:solidFill>
+              <a:rPr lang="en-US" sz="4385" u="none" strike="noStrike" dirty="0">
                 <a:latin typeface="Balsamiq Sans"/>
                 <a:ea typeface="Balsamiq Sans"/>
                 <a:cs typeface="Balsamiq Sans"/>
                 <a:sym typeface="Balsamiq Sans"/>
+                <a:hlinkClick r:id="rId15" action="ppaction://hlinksldjump">
+                  <a:extLst>
+                    <a:ext uri="{A12FA001-AC4F-418D-AE19-62706E023703}">
+                      <ahyp:hlinkClr xmlns:ahyp="http://schemas.microsoft.com/office/drawing/2018/hyperlinkcolor" val="tx"/>
+                    </a:ext>
+                  </a:extLst>
+                </a:hlinkClick>
               </a:rPr>
-              <a:t>C. 6</a:t>
+              <a:t>C. </a:t>
             </a:r>
-          </a:p>
-          <a:p>
-            <a:pPr marL="0" lvl="1" indent="0" algn="l">
-              <a:lnSpc>
-                <a:spcPts val="8815"/>
-              </a:lnSpc>
-              <a:spcBef>
-                <a:spcPct val="0"/>
-              </a:spcBef>
-            </a:pPr>
             <a:r>
-              <a:rPr lang="en-US" sz="4385" u="none" strike="noStrike">
-                <a:solidFill>
-                  <a:srgbClr val="000000"/>
-                </a:solidFill>
+              <a:rPr lang="en-US" sz="4385" dirty="0">
                 <a:latin typeface="Balsamiq Sans"/>
                 <a:ea typeface="Balsamiq Sans"/>
                 <a:cs typeface="Balsamiq Sans"/>
                 <a:sym typeface="Balsamiq Sans"/>
+                <a:hlinkClick r:id="rId15" action="ppaction://hlinksldjump">
+                  <a:extLst>
+                    <a:ext uri="{A12FA001-AC4F-418D-AE19-62706E023703}">
+                      <ahyp:hlinkClr xmlns:ahyp="http://schemas.microsoft.com/office/drawing/2018/hyperlinkcolor" val="tx"/>
+                    </a:ext>
+                  </a:extLst>
+                </a:hlinkClick>
               </a:rPr>
-              <a:t>D. 10</a:t>
+              <a:t>5</a:t>
             </a:r>
+            <a:endParaRPr lang="en-US" sz="4385" u="none" strike="noStrike" dirty="0">
+              <a:latin typeface="Balsamiq Sans"/>
+              <a:ea typeface="Balsamiq Sans"/>
+              <a:cs typeface="Balsamiq Sans"/>
+              <a:sym typeface="Balsamiq Sans"/>
+            </a:endParaRPr>
           </a:p>
         </p:txBody>
       </p:sp>
@@ -5089,17 +5320,161 @@
               </a:spcBef>
             </a:pPr>
             <a:r>
-              <a:rPr lang="en-US" sz="4385">
-                <a:solidFill>
-                  <a:srgbClr val="000000"/>
-                </a:solidFill>
+              <a:rPr lang="en-US" sz="4385" dirty="0">
                 <a:latin typeface="Balsamiq Sans"/>
                 <a:ea typeface="Balsamiq Sans"/>
                 <a:cs typeface="Balsamiq Sans"/>
                 <a:sym typeface="Balsamiq Sans"/>
+                <a:hlinkClick r:id="rId16" action="ppaction://hlinksldjump">
+                  <a:extLst>
+                    <a:ext uri="{A12FA001-AC4F-418D-AE19-62706E023703}">
+                      <ahyp:hlinkClr xmlns:ahyp="http://schemas.microsoft.com/office/drawing/2018/hyperlinkcolor" val="tx"/>
+                    </a:ext>
+                  </a:extLst>
+                </a:hlinkClick>
               </a:rPr>
               <a:t>ATRAS</a:t>
             </a:r>
+            <a:endParaRPr lang="en-US" sz="4385" dirty="0">
+              <a:latin typeface="Balsamiq Sans"/>
+              <a:ea typeface="Balsamiq Sans"/>
+              <a:cs typeface="Balsamiq Sans"/>
+              <a:sym typeface="Balsamiq Sans"/>
+            </a:endParaRPr>
+          </a:p>
+        </p:txBody>
+      </p:sp>
+      <p:sp>
+        <p:nvSpPr>
+          <p:cNvPr id="32" name="TextBox 23">
+            <a:hlinkClick r:id="rId15" action="ppaction://hlinksldjump"/>
+            <a:extLst>
+              <a:ext uri="{FF2B5EF4-FFF2-40B4-BE49-F238E27FC236}">
+                <a16:creationId xmlns:a16="http://schemas.microsoft.com/office/drawing/2014/main" id="{2953DF82-69CC-A202-9FD3-AE0B49069F8A}"/>
+              </a:ext>
+            </a:extLst>
+          </p:cNvPr>
+          <p:cNvSpPr txBox="1"/>
+          <p:nvPr/>
+        </p:nvSpPr>
+        <p:spPr>
+          <a:xfrm>
+            <a:off x="1379470" y="6827268"/>
+            <a:ext cx="4243184" cy="1015086"/>
+          </a:xfrm>
+          <a:prstGeom prst="rect">
+            <a:avLst/>
+          </a:prstGeom>
+        </p:spPr>
+        <p:txBody>
+          <a:bodyPr lIns="0" tIns="0" rIns="0" bIns="0" rtlCol="0" anchor="t">
+            <a:spAutoFit/>
+          </a:bodyPr>
+          <a:lstStyle/>
+          <a:p>
+            <a:pPr algn="l">
+              <a:lnSpc>
+                <a:spcPts val="8815"/>
+              </a:lnSpc>
+            </a:pPr>
+            <a:r>
+              <a:rPr lang="en-US" sz="4385" dirty="0">
+                <a:latin typeface="Balsamiq Sans"/>
+                <a:ea typeface="Balsamiq Sans"/>
+                <a:cs typeface="Balsamiq Sans"/>
+                <a:sym typeface="Balsamiq Sans"/>
+                <a:hlinkClick r:id="rId15" action="ppaction://hlinksldjump">
+                  <a:extLst>
+                    <a:ext uri="{A12FA001-AC4F-418D-AE19-62706E023703}">
+                      <ahyp:hlinkClr xmlns:ahyp="http://schemas.microsoft.com/office/drawing/2018/hyperlinkcolor" val="tx"/>
+                    </a:ext>
+                  </a:extLst>
+                </a:hlinkClick>
+              </a:rPr>
+              <a:t>B. 4</a:t>
+            </a:r>
+            <a:endParaRPr lang="en-US" sz="4385" dirty="0">
+              <a:latin typeface="Balsamiq Sans"/>
+              <a:ea typeface="Balsamiq Sans"/>
+              <a:cs typeface="Balsamiq Sans"/>
+              <a:sym typeface="Balsamiq Sans"/>
+            </a:endParaRPr>
+          </a:p>
+        </p:txBody>
+      </p:sp>
+      <p:sp>
+        <p:nvSpPr>
+          <p:cNvPr id="33" name="TextBox 24">
+            <a:extLst>
+              <a:ext uri="{FF2B5EF4-FFF2-40B4-BE49-F238E27FC236}">
+                <a16:creationId xmlns:a16="http://schemas.microsoft.com/office/drawing/2014/main" id="{9C676E4F-403E-D9EC-A669-356549D195EB}"/>
+              </a:ext>
+            </a:extLst>
+          </p:cNvPr>
+          <p:cNvSpPr txBox="1"/>
+          <p:nvPr/>
+        </p:nvSpPr>
+        <p:spPr>
+          <a:xfrm>
+            <a:off x="5889354" y="6795262"/>
+            <a:ext cx="4470367" cy="1015086"/>
+          </a:xfrm>
+          <a:prstGeom prst="rect">
+            <a:avLst/>
+          </a:prstGeom>
+        </p:spPr>
+        <p:txBody>
+          <a:bodyPr wrap="square" lIns="0" tIns="0" rIns="0" bIns="0" rtlCol="0" anchor="t">
+            <a:spAutoFit/>
+          </a:bodyPr>
+          <a:lstStyle/>
+          <a:p>
+            <a:pPr marL="0" lvl="1" indent="0" algn="l">
+              <a:lnSpc>
+                <a:spcPts val="8815"/>
+              </a:lnSpc>
+              <a:spcBef>
+                <a:spcPct val="0"/>
+              </a:spcBef>
+            </a:pPr>
+            <a:r>
+              <a:rPr lang="en-US" sz="4385" dirty="0">
+                <a:latin typeface="Balsamiq Sans"/>
+                <a:ea typeface="Balsamiq Sans"/>
+                <a:cs typeface="Balsamiq Sans"/>
+                <a:sym typeface="Balsamiq Sans"/>
+                <a:hlinkClick r:id="rId17" action="ppaction://hlinksldjump">
+                  <a:extLst>
+                    <a:ext uri="{A12FA001-AC4F-418D-AE19-62706E023703}">
+                      <ahyp:hlinkClr xmlns:ahyp="http://schemas.microsoft.com/office/drawing/2018/hyperlinkcolor" val="tx"/>
+                    </a:ext>
+                  </a:extLst>
+                </a:hlinkClick>
+              </a:rPr>
+              <a:t>D</a:t>
+            </a:r>
+            <a:r>
+              <a:rPr lang="en-US" sz="4385" u="none" strike="noStrike" dirty="0">
+                <a:latin typeface="Balsamiq Sans"/>
+                <a:ea typeface="Balsamiq Sans"/>
+                <a:cs typeface="Balsamiq Sans"/>
+                <a:sym typeface="Balsamiq Sans"/>
+                <a:hlinkClick r:id="rId17" action="ppaction://hlinksldjump">
+                  <a:extLst>
+                    <a:ext uri="{A12FA001-AC4F-418D-AE19-62706E023703}">
+                      <ahyp:hlinkClr xmlns:ahyp="http://schemas.microsoft.com/office/drawing/2018/hyperlinkcolor" val="tx"/>
+                    </a:ext>
+                  </a:extLst>
+                </a:hlinkClick>
+              </a:rPr>
+              <a:t>. 6</a:t>
+            </a:r>
+            <a:endParaRPr lang="en-US" sz="4385" u="none" strike="noStrike" dirty="0">
+              <a:latin typeface="Balsamiq Sans"/>
+              <a:ea typeface="Balsamiq Sans"/>
+              <a:cs typeface="Balsamiq Sans"/>
+              <a:sym typeface="Balsamiq Sans"/>
+            </a:endParaRPr>
           </a:p>
         </p:txBody>
       </p:sp>
@@ -6427,17 +6802,27 @@
               </a:spcBef>
             </a:pPr>
             <a:r>
-              <a:rPr lang="en-US" sz="4385">
-                <a:solidFill>
-                  <a:srgbClr val="000000"/>
-                </a:solidFill>
+              <a:rPr lang="en-US" sz="4385" dirty="0">
                 <a:latin typeface="Balsamiq Sans"/>
                 <a:ea typeface="Balsamiq Sans"/>
                 <a:cs typeface="Balsamiq Sans"/>
                 <a:sym typeface="Balsamiq Sans"/>
+                <a:hlinkClick r:id="rId13" action="ppaction://hlinksldjump">
+                  <a:extLst>
+                    <a:ext uri="{A12FA001-AC4F-418D-AE19-62706E023703}">
+                      <ahyp:hlinkClr xmlns:ahyp="http://schemas.microsoft.com/office/drawing/2018/hyperlinkcolor" val="tx"/>
+                    </a:ext>
+                  </a:extLst>
+                </a:hlinkClick>
               </a:rPr>
               <a:t>ADELANTE</a:t>
             </a:r>
+            <a:endParaRPr lang="en-US" sz="4385" dirty="0">
+              <a:latin typeface="Balsamiq Sans"/>
+              <a:ea typeface="Balsamiq Sans"/>
+              <a:cs typeface="Balsamiq Sans"/>
+              <a:sym typeface="Balsamiq Sans"/>
+            </a:endParaRPr>
           </a:p>
         </p:txBody>
       </p:sp>
@@ -6449,7 +6834,7 @@
         </p:nvGrpSpPr>
         <p:grpSpPr>
           <a:xfrm>
-            <a:off x="764219" y="8604587"/>
+            <a:off x="712459" y="8573938"/>
             <a:ext cx="3646568" cy="1368724"/>
             <a:chOff x="0" y="0"/>
             <a:chExt cx="960413" cy="360487"/>
@@ -6611,17 +6996,27 @@
               </a:spcBef>
             </a:pPr>
             <a:r>
-              <a:rPr lang="en-US" sz="4385">
-                <a:solidFill>
-                  <a:srgbClr val="000000"/>
-                </a:solidFill>
+              <a:rPr lang="en-US" sz="4385" dirty="0">
                 <a:latin typeface="Balsamiq Sans"/>
                 <a:ea typeface="Balsamiq Sans"/>
                 <a:cs typeface="Balsamiq Sans"/>
                 <a:sym typeface="Balsamiq Sans"/>
+                <a:hlinkClick r:id="rId14" action="ppaction://hlinksldjump">
+                  <a:extLst>
+                    <a:ext uri="{A12FA001-AC4F-418D-AE19-62706E023703}">
+                      <ahyp:hlinkClr xmlns:ahyp="http://schemas.microsoft.com/office/drawing/2018/hyperlinkcolor" val="tx"/>
+                    </a:ext>
+                  </a:extLst>
+                </a:hlinkClick>
               </a:rPr>
               <a:t>ATRAS</a:t>
             </a:r>
+            <a:endParaRPr lang="en-US" sz="4385" dirty="0">
+              <a:latin typeface="Balsamiq Sans"/>
+              <a:ea typeface="Balsamiq Sans"/>
+              <a:cs typeface="Balsamiq Sans"/>
+              <a:sym typeface="Balsamiq Sans"/>
+            </a:endParaRPr>
           </a:p>
         </p:txBody>
       </p:sp>
@@ -7100,7 +7495,7 @@
             <a:bodyPr/>
             <a:lstStyle/>
             <a:p>
-              <a:endParaRPr lang="es-MX"/>
+              <a:endParaRPr lang="es-MX" dirty="0"/>
             </a:p>
           </p:txBody>
         </p:sp>
@@ -7680,7 +8075,7 @@
               </a:lnSpc>
             </a:pPr>
             <a:r>
-              <a:rPr lang="en-US" sz="4385">
+              <a:rPr lang="en-US" sz="4385" dirty="0">
                 <a:solidFill>
                   <a:srgbClr val="000000"/>
                 </a:solidFill>
@@ -7699,7 +8094,7 @@
               </a:lnSpc>
             </a:pPr>
             <a:r>
-              <a:rPr lang="en-US" sz="4385">
+              <a:rPr lang="en-US" sz="4385" dirty="0">
                 <a:solidFill>
                   <a:srgbClr val="000000"/>
                 </a:solidFill>
@@ -7949,17 +8344,27 @@
               </a:spcBef>
             </a:pPr>
             <a:r>
-              <a:rPr lang="en-US" sz="4385">
-                <a:solidFill>
-                  <a:srgbClr val="000000"/>
-                </a:solidFill>
+              <a:rPr lang="en-US" sz="4385" dirty="0">
                 <a:latin typeface="Balsamiq Sans"/>
                 <a:ea typeface="Balsamiq Sans"/>
                 <a:cs typeface="Balsamiq Sans"/>
                 <a:sym typeface="Balsamiq Sans"/>
+                <a:hlinkClick r:id="rId13" action="ppaction://hlinksldjump">
+                  <a:extLst>
+                    <a:ext uri="{A12FA001-AC4F-418D-AE19-62706E023703}">
+                      <ahyp:hlinkClr xmlns:ahyp="http://schemas.microsoft.com/office/drawing/2018/hyperlinkcolor" val="tx"/>
+                    </a:ext>
+                  </a:extLst>
+                </a:hlinkClick>
               </a:rPr>
               <a:t>ATRAS</a:t>
             </a:r>
+            <a:endParaRPr lang="en-US" sz="4385" dirty="0">
+              <a:latin typeface="Balsamiq Sans"/>
+              <a:ea typeface="Balsamiq Sans"/>
+              <a:cs typeface="Balsamiq Sans"/>
+              <a:sym typeface="Balsamiq Sans"/>
+            </a:endParaRPr>
           </a:p>
         </p:txBody>
       </p:sp>
@@ -8133,17 +8538,27 @@
               </a:spcBef>
             </a:pPr>
             <a:r>
-              <a:rPr lang="en-US" sz="4385">
-                <a:solidFill>
-                  <a:srgbClr val="000000"/>
-                </a:solidFill>
+              <a:rPr lang="en-US" sz="4385" dirty="0">
                 <a:latin typeface="Balsamiq Sans"/>
                 <a:ea typeface="Balsamiq Sans"/>
                 <a:cs typeface="Balsamiq Sans"/>
                 <a:sym typeface="Balsamiq Sans"/>
+                <a:hlinkClick r:id="rId14" action="ppaction://hlinksldjump">
+                  <a:extLst>
+                    <a:ext uri="{A12FA001-AC4F-418D-AE19-62706E023703}">
+                      <ahyp:hlinkClr xmlns:ahyp="http://schemas.microsoft.com/office/drawing/2018/hyperlinkcolor" val="tx"/>
+                    </a:ext>
+                  </a:extLst>
+                </a:hlinkClick>
               </a:rPr>
               <a:t>ADELANTE</a:t>
             </a:r>
+            <a:endParaRPr lang="en-US" sz="4385" dirty="0">
+              <a:latin typeface="Balsamiq Sans"/>
+              <a:ea typeface="Balsamiq Sans"/>
+              <a:cs typeface="Balsamiq Sans"/>
+              <a:sym typeface="Balsamiq Sans"/>
+            </a:endParaRPr>
           </a:p>
         </p:txBody>
       </p:sp>
@@ -9378,6 +9793,463 @@
           </a:p>
         </p:txBody>
       </p:sp>
+      <p:grpSp>
+        <p:nvGrpSpPr>
+          <p:cNvPr id="12" name="Group 24">
+            <a:extLst>
+              <a:ext uri="{FF2B5EF4-FFF2-40B4-BE49-F238E27FC236}">
+                <a16:creationId xmlns:a16="http://schemas.microsoft.com/office/drawing/2014/main" id="{EA1C87A0-3A32-67F2-37A8-69CE8F4DA980}"/>
+              </a:ext>
+            </a:extLst>
+          </p:cNvPr>
+          <p:cNvGrpSpPr/>
+          <p:nvPr/>
+        </p:nvGrpSpPr>
+        <p:grpSpPr>
+          <a:xfrm>
+            <a:off x="13485602" y="8543289"/>
+            <a:ext cx="3202198" cy="1324611"/>
+            <a:chOff x="0" y="0"/>
+            <a:chExt cx="960413" cy="360487"/>
+          </a:xfrm>
+        </p:grpSpPr>
+        <p:sp>
+          <p:nvSpPr>
+            <p:cNvPr id="13" name="Freeform 25">
+              <a:extLst>
+                <a:ext uri="{FF2B5EF4-FFF2-40B4-BE49-F238E27FC236}">
+                  <a16:creationId xmlns:a16="http://schemas.microsoft.com/office/drawing/2014/main" id="{AB58D9A6-3529-0A29-FEB1-CCCE7A6FDFA2}"/>
+                </a:ext>
+              </a:extLst>
+            </p:cNvPr>
+            <p:cNvSpPr/>
+            <p:nvPr/>
+          </p:nvSpPr>
+          <p:spPr>
+            <a:xfrm>
+              <a:off x="0" y="0"/>
+              <a:ext cx="960413" cy="360487"/>
+            </a:xfrm>
+            <a:custGeom>
+              <a:avLst/>
+              <a:gdLst/>
+              <a:ahLst/>
+              <a:cxnLst/>
+              <a:rect l="l" t="t" r="r" b="b"/>
+              <a:pathLst>
+                <a:path w="960413" h="360487">
+                  <a:moveTo>
+                    <a:pt x="82800" y="0"/>
+                  </a:moveTo>
+                  <a:lnTo>
+                    <a:pt x="877613" y="0"/>
+                  </a:lnTo>
+                  <a:cubicBezTo>
+                    <a:pt x="899573" y="0"/>
+                    <a:pt x="920633" y="8724"/>
+                    <a:pt x="936161" y="24251"/>
+                  </a:cubicBezTo>
+                  <a:cubicBezTo>
+                    <a:pt x="951689" y="39779"/>
+                    <a:pt x="960413" y="60840"/>
+                    <a:pt x="960413" y="82800"/>
+                  </a:cubicBezTo>
+                  <a:lnTo>
+                    <a:pt x="960413" y="277687"/>
+                  </a:lnTo>
+                  <a:cubicBezTo>
+                    <a:pt x="960413" y="299647"/>
+                    <a:pt x="951689" y="320707"/>
+                    <a:pt x="936161" y="336235"/>
+                  </a:cubicBezTo>
+                  <a:cubicBezTo>
+                    <a:pt x="920633" y="351763"/>
+                    <a:pt x="899573" y="360487"/>
+                    <a:pt x="877613" y="360487"/>
+                  </a:cubicBezTo>
+                  <a:lnTo>
+                    <a:pt x="82800" y="360487"/>
+                  </a:lnTo>
+                  <a:cubicBezTo>
+                    <a:pt x="60840" y="360487"/>
+                    <a:pt x="39779" y="351763"/>
+                    <a:pt x="24251" y="336235"/>
+                  </a:cubicBezTo>
+                  <a:cubicBezTo>
+                    <a:pt x="8724" y="320707"/>
+                    <a:pt x="0" y="299647"/>
+                    <a:pt x="0" y="277687"/>
+                  </a:cubicBezTo>
+                  <a:lnTo>
+                    <a:pt x="0" y="82800"/>
+                  </a:lnTo>
+                  <a:cubicBezTo>
+                    <a:pt x="0" y="60840"/>
+                    <a:pt x="8724" y="39779"/>
+                    <a:pt x="24251" y="24251"/>
+                  </a:cubicBezTo>
+                  <a:cubicBezTo>
+                    <a:pt x="39779" y="8724"/>
+                    <a:pt x="60840" y="0"/>
+                    <a:pt x="82800" y="0"/>
+                  </a:cubicBezTo>
+                  <a:close/>
+                </a:path>
+              </a:pathLst>
+            </a:custGeom>
+            <a:solidFill>
+              <a:srgbClr val="F7F3F0"/>
+            </a:solidFill>
+            <a:ln w="38100" cap="rnd">
+              <a:solidFill>
+                <a:srgbClr val="D78F28"/>
+              </a:solidFill>
+              <a:prstDash val="solid"/>
+              <a:round/>
+            </a:ln>
+          </p:spPr>
+          <p:txBody>
+            <a:bodyPr/>
+            <a:lstStyle/>
+            <a:p>
+              <a:endParaRPr lang="es-MX"/>
+            </a:p>
+          </p:txBody>
+        </p:sp>
+        <p:sp>
+          <p:nvSpPr>
+            <p:cNvPr id="14" name="TextBox 26">
+              <a:extLst>
+                <a:ext uri="{FF2B5EF4-FFF2-40B4-BE49-F238E27FC236}">
+                  <a16:creationId xmlns:a16="http://schemas.microsoft.com/office/drawing/2014/main" id="{31104550-484D-90C0-E86C-260FF2D6EBC8}"/>
+                </a:ext>
+              </a:extLst>
+            </p:cNvPr>
+            <p:cNvSpPr txBox="1"/>
+            <p:nvPr/>
+          </p:nvSpPr>
+          <p:spPr>
+            <a:xfrm>
+              <a:off x="0" y="-38100"/>
+              <a:ext cx="960413" cy="398587"/>
+            </a:xfrm>
+            <a:prstGeom prst="rect">
+              <a:avLst/>
+            </a:prstGeom>
+          </p:spPr>
+          <p:txBody>
+            <a:bodyPr lIns="50800" tIns="50800" rIns="50800" bIns="50800" rtlCol="0" anchor="ctr"/>
+            <a:lstStyle/>
+            <a:p>
+              <a:pPr algn="ctr">
+                <a:lnSpc>
+                  <a:spcPts val="2659"/>
+                </a:lnSpc>
+              </a:pPr>
+              <a:endParaRPr/>
+            </a:p>
+          </p:txBody>
+        </p:sp>
+      </p:grpSp>
+      <p:sp>
+        <p:nvSpPr>
+          <p:cNvPr id="15" name="CuadroTexto 14">
+            <a:extLst>
+              <a:ext uri="{FF2B5EF4-FFF2-40B4-BE49-F238E27FC236}">
+                <a16:creationId xmlns:a16="http://schemas.microsoft.com/office/drawing/2014/main" id="{5E3D527A-040A-41C6-D55C-E90F1B7F3A10}"/>
+              </a:ext>
+            </a:extLst>
+          </p:cNvPr>
+          <p:cNvSpPr txBox="1"/>
+          <p:nvPr/>
+        </p:nvSpPr>
+        <p:spPr>
+          <a:xfrm>
+            <a:off x="13672880" y="8497897"/>
+            <a:ext cx="3586420" cy="1077218"/>
+          </a:xfrm>
+          <a:prstGeom prst="rect">
+            <a:avLst/>
+          </a:prstGeom>
+          <a:noFill/>
+        </p:spPr>
+        <p:txBody>
+          <a:bodyPr wrap="square">
+            <a:spAutoFit/>
+          </a:bodyPr>
+          <a:lstStyle/>
+          <a:p>
+            <a:pPr marL="0" lvl="1" indent="0" algn="l">
+              <a:lnSpc>
+                <a:spcPts val="8815"/>
+              </a:lnSpc>
+              <a:spcBef>
+                <a:spcPct val="0"/>
+              </a:spcBef>
+            </a:pPr>
+            <a:r>
+              <a:rPr lang="en-US" sz="3600" dirty="0">
+                <a:solidFill>
+                  <a:schemeClr val="accent6">
+                    <a:lumMod val="75000"/>
+                  </a:schemeClr>
+                </a:solidFill>
+                <a:latin typeface="Balsamiq Sans"/>
+                <a:ea typeface="Balsamiq Sans"/>
+                <a:cs typeface="Balsamiq Sans"/>
+                <a:sym typeface="Balsamiq Sans"/>
+                <a:hlinkClick r:id="rId15" action="ppaction://hlinksldjump">
+                  <a:extLst>
+                    <a:ext uri="{A12FA001-AC4F-418D-AE19-62706E023703}">
+                      <ahyp:hlinkClr xmlns:ahyp="http://schemas.microsoft.com/office/drawing/2018/hyperlinkcolor" val="tx"/>
+                    </a:ext>
+                  </a:extLst>
+                </a:hlinkClick>
+              </a:rPr>
+              <a:t>SIGUIENTE</a:t>
+            </a:r>
+            <a:endParaRPr lang="en-US" sz="3600" dirty="0">
+              <a:solidFill>
+                <a:schemeClr val="accent6">
+                  <a:lumMod val="75000"/>
+                </a:schemeClr>
+              </a:solidFill>
+              <a:latin typeface="Balsamiq Sans"/>
+              <a:ea typeface="Balsamiq Sans"/>
+              <a:cs typeface="Balsamiq Sans"/>
+              <a:sym typeface="Balsamiq Sans"/>
+            </a:endParaRPr>
+          </a:p>
+        </p:txBody>
+      </p:sp>
+      <p:grpSp>
+        <p:nvGrpSpPr>
+          <p:cNvPr id="16" name="Group 25">
+            <a:extLst>
+              <a:ext uri="{FF2B5EF4-FFF2-40B4-BE49-F238E27FC236}">
+                <a16:creationId xmlns:a16="http://schemas.microsoft.com/office/drawing/2014/main" id="{CD1C4967-AC3C-E64D-1737-C5A6C6D53E10}"/>
+              </a:ext>
+            </a:extLst>
+          </p:cNvPr>
+          <p:cNvGrpSpPr/>
+          <p:nvPr/>
+        </p:nvGrpSpPr>
+        <p:grpSpPr>
+          <a:xfrm>
+            <a:off x="556680" y="8636168"/>
+            <a:ext cx="3151096" cy="1263313"/>
+            <a:chOff x="0" y="0"/>
+            <a:chExt cx="960413" cy="360487"/>
+          </a:xfrm>
+        </p:grpSpPr>
+        <p:sp>
+          <p:nvSpPr>
+            <p:cNvPr id="17" name="Freeform 26">
+              <a:extLst>
+                <a:ext uri="{FF2B5EF4-FFF2-40B4-BE49-F238E27FC236}">
+                  <a16:creationId xmlns:a16="http://schemas.microsoft.com/office/drawing/2014/main" id="{FE6E87EA-9081-4CD5-CD76-2482D6A0282D}"/>
+                </a:ext>
+              </a:extLst>
+            </p:cNvPr>
+            <p:cNvSpPr/>
+            <p:nvPr/>
+          </p:nvSpPr>
+          <p:spPr>
+            <a:xfrm>
+              <a:off x="0" y="0"/>
+              <a:ext cx="960413" cy="360487"/>
+            </a:xfrm>
+            <a:custGeom>
+              <a:avLst/>
+              <a:gdLst/>
+              <a:ahLst/>
+              <a:cxnLst/>
+              <a:rect l="l" t="t" r="r" b="b"/>
+              <a:pathLst>
+                <a:path w="960413" h="360487">
+                  <a:moveTo>
+                    <a:pt x="82800" y="0"/>
+                  </a:moveTo>
+                  <a:lnTo>
+                    <a:pt x="877613" y="0"/>
+                  </a:lnTo>
+                  <a:cubicBezTo>
+                    <a:pt x="899573" y="0"/>
+                    <a:pt x="920633" y="8724"/>
+                    <a:pt x="936161" y="24251"/>
+                  </a:cubicBezTo>
+                  <a:cubicBezTo>
+                    <a:pt x="951689" y="39779"/>
+                    <a:pt x="960413" y="60840"/>
+                    <a:pt x="960413" y="82800"/>
+                  </a:cubicBezTo>
+                  <a:lnTo>
+                    <a:pt x="960413" y="277687"/>
+                  </a:lnTo>
+                  <a:cubicBezTo>
+                    <a:pt x="960413" y="299647"/>
+                    <a:pt x="951689" y="320707"/>
+                    <a:pt x="936161" y="336235"/>
+                  </a:cubicBezTo>
+                  <a:cubicBezTo>
+                    <a:pt x="920633" y="351763"/>
+                    <a:pt x="899573" y="360487"/>
+                    <a:pt x="877613" y="360487"/>
+                  </a:cubicBezTo>
+                  <a:lnTo>
+                    <a:pt x="82800" y="360487"/>
+                  </a:lnTo>
+                  <a:cubicBezTo>
+                    <a:pt x="60840" y="360487"/>
+                    <a:pt x="39779" y="351763"/>
+                    <a:pt x="24251" y="336235"/>
+                  </a:cubicBezTo>
+                  <a:cubicBezTo>
+                    <a:pt x="8724" y="320707"/>
+                    <a:pt x="0" y="299647"/>
+                    <a:pt x="0" y="277687"/>
+                  </a:cubicBezTo>
+                  <a:lnTo>
+                    <a:pt x="0" y="82800"/>
+                  </a:lnTo>
+                  <a:cubicBezTo>
+                    <a:pt x="0" y="60840"/>
+                    <a:pt x="8724" y="39779"/>
+                    <a:pt x="24251" y="24251"/>
+                  </a:cubicBezTo>
+                  <a:cubicBezTo>
+                    <a:pt x="39779" y="8724"/>
+                    <a:pt x="60840" y="0"/>
+                    <a:pt x="82800" y="0"/>
+                  </a:cubicBezTo>
+                  <a:close/>
+                </a:path>
+              </a:pathLst>
+            </a:custGeom>
+            <a:solidFill>
+              <a:srgbClr val="F7F3F0"/>
+            </a:solidFill>
+            <a:ln w="38100" cap="rnd">
+              <a:solidFill>
+                <a:srgbClr val="D78F28"/>
+              </a:solidFill>
+              <a:prstDash val="solid"/>
+              <a:round/>
+            </a:ln>
+          </p:spPr>
+          <p:txBody>
+            <a:bodyPr/>
+            <a:lstStyle/>
+            <a:p>
+              <a:endParaRPr lang="es-MX"/>
+            </a:p>
+          </p:txBody>
+        </p:sp>
+        <p:sp>
+          <p:nvSpPr>
+            <p:cNvPr id="18" name="TextBox 27">
+              <a:extLst>
+                <a:ext uri="{FF2B5EF4-FFF2-40B4-BE49-F238E27FC236}">
+                  <a16:creationId xmlns:a16="http://schemas.microsoft.com/office/drawing/2014/main" id="{5252A81F-50DC-DF3A-2819-62BA7AFC1C7F}"/>
+                </a:ext>
+              </a:extLst>
+            </p:cNvPr>
+            <p:cNvSpPr txBox="1"/>
+            <p:nvPr/>
+          </p:nvSpPr>
+          <p:spPr>
+            <a:xfrm>
+              <a:off x="0" y="-38100"/>
+              <a:ext cx="960413" cy="398587"/>
+            </a:xfrm>
+            <a:prstGeom prst="rect">
+              <a:avLst/>
+            </a:prstGeom>
+          </p:spPr>
+          <p:txBody>
+            <a:bodyPr lIns="50800" tIns="50800" rIns="50800" bIns="50800" rtlCol="0" anchor="ctr"/>
+            <a:lstStyle/>
+            <a:p>
+              <a:pPr algn="ctr">
+                <a:lnSpc>
+                  <a:spcPts val="2659"/>
+                </a:lnSpc>
+              </a:pPr>
+              <a:endParaRPr/>
+            </a:p>
+          </p:txBody>
+        </p:sp>
+      </p:grpSp>
+      <p:sp>
+        <p:nvSpPr>
+          <p:cNvPr id="19" name="TextBox 31">
+            <a:extLst>
+              <a:ext uri="{FF2B5EF4-FFF2-40B4-BE49-F238E27FC236}">
+                <a16:creationId xmlns:a16="http://schemas.microsoft.com/office/drawing/2014/main" id="{38E06F9C-0F45-E709-C45F-21F0079C2DFC}"/>
+              </a:ext>
+            </a:extLst>
+          </p:cNvPr>
+          <p:cNvSpPr txBox="1"/>
+          <p:nvPr/>
+        </p:nvSpPr>
+        <p:spPr>
+          <a:xfrm>
+            <a:off x="1069556" y="8611948"/>
+            <a:ext cx="4620004" cy="1011102"/>
+          </a:xfrm>
+          <a:prstGeom prst="rect">
+            <a:avLst/>
+          </a:prstGeom>
+        </p:spPr>
+        <p:txBody>
+          <a:bodyPr lIns="0" tIns="0" rIns="0" bIns="0" rtlCol="0" anchor="t">
+            <a:spAutoFit/>
+          </a:bodyPr>
+          <a:lstStyle/>
+          <a:p>
+            <a:pPr marL="0" lvl="1" indent="0" algn="l">
+              <a:lnSpc>
+                <a:spcPts val="8815"/>
+              </a:lnSpc>
+              <a:spcBef>
+                <a:spcPct val="0"/>
+              </a:spcBef>
+            </a:pPr>
+            <a:r>
+              <a:rPr lang="en-US" sz="3600" dirty="0">
+                <a:solidFill>
+                  <a:schemeClr val="accent6">
+                    <a:lumMod val="75000"/>
+                  </a:schemeClr>
+                </a:solidFill>
+                <a:latin typeface="Balsamiq Sans"/>
+                <a:ea typeface="Balsamiq Sans"/>
+                <a:cs typeface="Balsamiq Sans"/>
+                <a:sym typeface="Balsamiq Sans"/>
+                <a:hlinkClick r:id="" action="ppaction://hlinkshowjump?jump=previousslide">
+                  <a:extLst>
+                    <a:ext uri="{A12FA001-AC4F-418D-AE19-62706E023703}">
+                      <ahyp:hlinkClr xmlns:ahyp="http://schemas.microsoft.com/office/drawing/2018/hyperlinkcolor" val="tx"/>
+                    </a:ext>
+                  </a:extLst>
+                </a:hlinkClick>
+              </a:rPr>
+              <a:t>ATRAS</a:t>
+            </a:r>
+            <a:endParaRPr lang="en-US" sz="3600" dirty="0">
+              <a:solidFill>
+                <a:schemeClr val="accent6">
+                  <a:lumMod val="75000"/>
+                </a:schemeClr>
+              </a:solidFill>
+              <a:latin typeface="Balsamiq Sans"/>
+              <a:ea typeface="Balsamiq Sans"/>
+              <a:cs typeface="Balsamiq Sans"/>
+              <a:sym typeface="Balsamiq Sans"/>
+            </a:endParaRPr>
+          </a:p>
+        </p:txBody>
+      </p:sp>
     </p:spTree>
   </p:cSld>
   <p:clrMapOvr>
@@ -9419,7 +10291,7 @@
         </p:nvSpPr>
         <p:spPr>
           <a:xfrm>
-            <a:off x="-3236105" y="-7236605"/>
+            <a:off x="-3236105" y="-7505700"/>
             <a:ext cx="24760210" cy="24760210"/>
           </a:xfrm>
           <a:custGeom>
@@ -9518,7 +10390,7 @@
         </p:nvSpPr>
         <p:spPr>
           <a:xfrm>
-            <a:off x="10172700" y="4547270"/>
+            <a:off x="10753191" y="3135197"/>
             <a:ext cx="8115300" cy="5739730"/>
           </a:xfrm>
           <a:custGeom>
@@ -9577,7 +10449,7 @@
         </p:nvSpPr>
         <p:spPr>
           <a:xfrm>
-            <a:off x="7550270" y="6776095"/>
+            <a:off x="8111432" y="6542384"/>
             <a:ext cx="4134899" cy="3510905"/>
           </a:xfrm>
           <a:custGeom>
@@ -9624,7 +10496,7 @@
           <a:bodyPr/>
           <a:lstStyle/>
           <a:p>
-            <a:endParaRPr lang="es-MX"/>
+            <a:endParaRPr lang="es-MX" dirty="0"/>
           </a:p>
         </p:txBody>
       </p:sp>
@@ -9636,7 +10508,7 @@
         </p:nvSpPr>
         <p:spPr>
           <a:xfrm rot="-6556523">
-            <a:off x="12345961" y="-3349645"/>
+            <a:off x="11598765" y="-4301394"/>
             <a:ext cx="7356127" cy="7550153"/>
           </a:xfrm>
           <a:custGeom>
@@ -9695,7 +10567,7 @@
         </p:nvSpPr>
         <p:spPr>
           <a:xfrm>
-            <a:off x="11685169" y="1989163"/>
+            <a:off x="9679936" y="1956835"/>
             <a:ext cx="2740062" cy="896748"/>
           </a:xfrm>
           <a:custGeom>
@@ -9742,7 +10614,7 @@
           <a:bodyPr/>
           <a:lstStyle/>
           <a:p>
-            <a:endParaRPr lang="es-MX"/>
+            <a:endParaRPr lang="es-MX" dirty="0"/>
           </a:p>
         </p:txBody>
       </p:sp>
@@ -9754,7 +10626,7 @@
         </p:nvSpPr>
         <p:spPr>
           <a:xfrm>
-            <a:off x="1769116" y="559141"/>
+            <a:off x="2133600" y="124596"/>
             <a:ext cx="1430022" cy="1430022"/>
           </a:xfrm>
           <a:custGeom>
@@ -9801,7 +10673,7 @@
           <a:bodyPr/>
           <a:lstStyle/>
           <a:p>
-            <a:endParaRPr lang="es-MX"/>
+            <a:endParaRPr lang="es-MX" dirty="0"/>
           </a:p>
         </p:txBody>
       </p:sp>
@@ -9813,7 +10685,7 @@
         </p:nvSpPr>
         <p:spPr>
           <a:xfrm>
-            <a:off x="1028700" y="7929269"/>
+            <a:off x="4393063" y="6067916"/>
             <a:ext cx="2995766" cy="2658062"/>
           </a:xfrm>
           <a:custGeom>
@@ -9861,6 +10733,462 @@
           <a:lstStyle/>
           <a:p>
             <a:endParaRPr lang="es-MX"/>
+          </a:p>
+        </p:txBody>
+      </p:sp>
+      <p:grpSp>
+        <p:nvGrpSpPr>
+          <p:cNvPr id="10" name="Group 24">
+            <a:extLst>
+              <a:ext uri="{FF2B5EF4-FFF2-40B4-BE49-F238E27FC236}">
+                <a16:creationId xmlns:a16="http://schemas.microsoft.com/office/drawing/2014/main" id="{C8084E84-3E34-6A5B-EC68-39F9699BB8F3}"/>
+              </a:ext>
+            </a:extLst>
+          </p:cNvPr>
+          <p:cNvGrpSpPr/>
+          <p:nvPr/>
+        </p:nvGrpSpPr>
+        <p:grpSpPr>
+          <a:xfrm>
+            <a:off x="13485602" y="8543289"/>
+            <a:ext cx="3202198" cy="1324611"/>
+            <a:chOff x="0" y="0"/>
+            <a:chExt cx="960413" cy="360487"/>
+          </a:xfrm>
+        </p:grpSpPr>
+        <p:sp>
+          <p:nvSpPr>
+            <p:cNvPr id="11" name="Freeform 25">
+              <a:extLst>
+                <a:ext uri="{FF2B5EF4-FFF2-40B4-BE49-F238E27FC236}">
+                  <a16:creationId xmlns:a16="http://schemas.microsoft.com/office/drawing/2014/main" id="{AAE99452-C7AE-A383-526D-EC3A57837ED1}"/>
+                </a:ext>
+              </a:extLst>
+            </p:cNvPr>
+            <p:cNvSpPr/>
+            <p:nvPr/>
+          </p:nvSpPr>
+          <p:spPr>
+            <a:xfrm>
+              <a:off x="0" y="0"/>
+              <a:ext cx="960413" cy="360487"/>
+            </a:xfrm>
+            <a:custGeom>
+              <a:avLst/>
+              <a:gdLst/>
+              <a:ahLst/>
+              <a:cxnLst/>
+              <a:rect l="l" t="t" r="r" b="b"/>
+              <a:pathLst>
+                <a:path w="960413" h="360487">
+                  <a:moveTo>
+                    <a:pt x="82800" y="0"/>
+                  </a:moveTo>
+                  <a:lnTo>
+                    <a:pt x="877613" y="0"/>
+                  </a:lnTo>
+                  <a:cubicBezTo>
+                    <a:pt x="899573" y="0"/>
+                    <a:pt x="920633" y="8724"/>
+                    <a:pt x="936161" y="24251"/>
+                  </a:cubicBezTo>
+                  <a:cubicBezTo>
+                    <a:pt x="951689" y="39779"/>
+                    <a:pt x="960413" y="60840"/>
+                    <a:pt x="960413" y="82800"/>
+                  </a:cubicBezTo>
+                  <a:lnTo>
+                    <a:pt x="960413" y="277687"/>
+                  </a:lnTo>
+                  <a:cubicBezTo>
+                    <a:pt x="960413" y="299647"/>
+                    <a:pt x="951689" y="320707"/>
+                    <a:pt x="936161" y="336235"/>
+                  </a:cubicBezTo>
+                  <a:cubicBezTo>
+                    <a:pt x="920633" y="351763"/>
+                    <a:pt x="899573" y="360487"/>
+                    <a:pt x="877613" y="360487"/>
+                  </a:cubicBezTo>
+                  <a:lnTo>
+                    <a:pt x="82800" y="360487"/>
+                  </a:lnTo>
+                  <a:cubicBezTo>
+                    <a:pt x="60840" y="360487"/>
+                    <a:pt x="39779" y="351763"/>
+                    <a:pt x="24251" y="336235"/>
+                  </a:cubicBezTo>
+                  <a:cubicBezTo>
+                    <a:pt x="8724" y="320707"/>
+                    <a:pt x="0" y="299647"/>
+                    <a:pt x="0" y="277687"/>
+                  </a:cubicBezTo>
+                  <a:lnTo>
+                    <a:pt x="0" y="82800"/>
+                  </a:lnTo>
+                  <a:cubicBezTo>
+                    <a:pt x="0" y="60840"/>
+                    <a:pt x="8724" y="39779"/>
+                    <a:pt x="24251" y="24251"/>
+                  </a:cubicBezTo>
+                  <a:cubicBezTo>
+                    <a:pt x="39779" y="8724"/>
+                    <a:pt x="60840" y="0"/>
+                    <a:pt x="82800" y="0"/>
+                  </a:cubicBezTo>
+                  <a:close/>
+                </a:path>
+              </a:pathLst>
+            </a:custGeom>
+            <a:solidFill>
+              <a:srgbClr val="F7F3F0"/>
+            </a:solidFill>
+            <a:ln w="38100" cap="rnd">
+              <a:solidFill>
+                <a:srgbClr val="D78F28"/>
+              </a:solidFill>
+              <a:prstDash val="solid"/>
+              <a:round/>
+            </a:ln>
+          </p:spPr>
+          <p:txBody>
+            <a:bodyPr/>
+            <a:lstStyle/>
+            <a:p>
+              <a:endParaRPr lang="es-MX"/>
+            </a:p>
+          </p:txBody>
+        </p:sp>
+        <p:sp>
+          <p:nvSpPr>
+            <p:cNvPr id="12" name="TextBox 26">
+              <a:extLst>
+                <a:ext uri="{FF2B5EF4-FFF2-40B4-BE49-F238E27FC236}">
+                  <a16:creationId xmlns:a16="http://schemas.microsoft.com/office/drawing/2014/main" id="{5461D0CE-E74D-3F61-90F0-2AD0AF7B59BB}"/>
+                </a:ext>
+              </a:extLst>
+            </p:cNvPr>
+            <p:cNvSpPr txBox="1"/>
+            <p:nvPr/>
+          </p:nvSpPr>
+          <p:spPr>
+            <a:xfrm>
+              <a:off x="0" y="-38100"/>
+              <a:ext cx="960413" cy="398587"/>
+            </a:xfrm>
+            <a:prstGeom prst="rect">
+              <a:avLst/>
+            </a:prstGeom>
+          </p:spPr>
+          <p:txBody>
+            <a:bodyPr lIns="50800" tIns="50800" rIns="50800" bIns="50800" rtlCol="0" anchor="ctr"/>
+            <a:lstStyle/>
+            <a:p>
+              <a:pPr algn="ctr">
+                <a:lnSpc>
+                  <a:spcPts val="2659"/>
+                </a:lnSpc>
+              </a:pPr>
+              <a:endParaRPr/>
+            </a:p>
+          </p:txBody>
+        </p:sp>
+      </p:grpSp>
+      <p:sp>
+        <p:nvSpPr>
+          <p:cNvPr id="13" name="TextBox 27">
+            <a:extLst>
+              <a:ext uri="{FF2B5EF4-FFF2-40B4-BE49-F238E27FC236}">
+                <a16:creationId xmlns:a16="http://schemas.microsoft.com/office/drawing/2014/main" id="{83B07389-D68D-8C9E-A80A-B4235C7626DF}"/>
+              </a:ext>
+            </a:extLst>
+          </p:cNvPr>
+          <p:cNvSpPr txBox="1"/>
+          <p:nvPr/>
+        </p:nvSpPr>
+        <p:spPr>
+          <a:xfrm>
+            <a:off x="13667996" y="8550650"/>
+            <a:ext cx="4620004" cy="1011102"/>
+          </a:xfrm>
+          <a:prstGeom prst="rect">
+            <a:avLst/>
+          </a:prstGeom>
+        </p:spPr>
+        <p:txBody>
+          <a:bodyPr lIns="0" tIns="0" rIns="0" bIns="0" rtlCol="0" anchor="t">
+            <a:spAutoFit/>
+          </a:bodyPr>
+          <a:lstStyle/>
+          <a:p>
+            <a:pPr marL="0" lvl="1" indent="0" algn="l">
+              <a:lnSpc>
+                <a:spcPts val="8815"/>
+              </a:lnSpc>
+              <a:spcBef>
+                <a:spcPct val="0"/>
+              </a:spcBef>
+            </a:pPr>
+            <a:r>
+              <a:rPr lang="en-US" sz="4385" dirty="0">
+                <a:solidFill>
+                  <a:schemeClr val="accent6">
+                    <a:lumMod val="75000"/>
+                  </a:schemeClr>
+                </a:solidFill>
+                <a:latin typeface="Balsamiq Sans"/>
+                <a:ea typeface="Balsamiq Sans"/>
+                <a:cs typeface="Balsamiq Sans"/>
+                <a:sym typeface="Balsamiq Sans"/>
+                <a:hlinkClick r:id="rId15" action="ppaction://hlinksldjump">
+                  <a:extLst>
+                    <a:ext uri="{A12FA001-AC4F-418D-AE19-62706E023703}">
+                      <ahyp:hlinkClr xmlns:ahyp="http://schemas.microsoft.com/office/drawing/2018/hyperlinkcolor" val="tx"/>
+                    </a:ext>
+                  </a:extLst>
+                </a:hlinkClick>
+              </a:rPr>
+              <a:t>ADELANTE</a:t>
+            </a:r>
+            <a:endParaRPr lang="en-US" sz="4385" dirty="0">
+              <a:solidFill>
+                <a:schemeClr val="accent6">
+                  <a:lumMod val="75000"/>
+                </a:schemeClr>
+              </a:solidFill>
+              <a:latin typeface="Balsamiq Sans"/>
+              <a:ea typeface="Balsamiq Sans"/>
+              <a:cs typeface="Balsamiq Sans"/>
+              <a:sym typeface="Balsamiq Sans"/>
+            </a:endParaRPr>
+          </a:p>
+        </p:txBody>
+      </p:sp>
+      <p:grpSp>
+        <p:nvGrpSpPr>
+          <p:cNvPr id="14" name="Group 25">
+            <a:extLst>
+              <a:ext uri="{FF2B5EF4-FFF2-40B4-BE49-F238E27FC236}">
+                <a16:creationId xmlns:a16="http://schemas.microsoft.com/office/drawing/2014/main" id="{D8D0C08B-FCF5-CBD9-8AC9-0F7C99977EBD}"/>
+              </a:ext>
+            </a:extLst>
+          </p:cNvPr>
+          <p:cNvGrpSpPr/>
+          <p:nvPr/>
+        </p:nvGrpSpPr>
+        <p:grpSpPr>
+          <a:xfrm>
+            <a:off x="685800" y="8604587"/>
+            <a:ext cx="3151096" cy="1263313"/>
+            <a:chOff x="0" y="0"/>
+            <a:chExt cx="960413" cy="360487"/>
+          </a:xfrm>
+        </p:grpSpPr>
+        <p:sp>
+          <p:nvSpPr>
+            <p:cNvPr id="15" name="Freeform 26">
+              <a:extLst>
+                <a:ext uri="{FF2B5EF4-FFF2-40B4-BE49-F238E27FC236}">
+                  <a16:creationId xmlns:a16="http://schemas.microsoft.com/office/drawing/2014/main" id="{7CF2C48A-EDF3-52E7-B164-2ADE6691F4E9}"/>
+                </a:ext>
+              </a:extLst>
+            </p:cNvPr>
+            <p:cNvSpPr/>
+            <p:nvPr/>
+          </p:nvSpPr>
+          <p:spPr>
+            <a:xfrm>
+              <a:off x="0" y="0"/>
+              <a:ext cx="960413" cy="360487"/>
+            </a:xfrm>
+            <a:custGeom>
+              <a:avLst/>
+              <a:gdLst/>
+              <a:ahLst/>
+              <a:cxnLst/>
+              <a:rect l="l" t="t" r="r" b="b"/>
+              <a:pathLst>
+                <a:path w="960413" h="360487">
+                  <a:moveTo>
+                    <a:pt x="82800" y="0"/>
+                  </a:moveTo>
+                  <a:lnTo>
+                    <a:pt x="877613" y="0"/>
+                  </a:lnTo>
+                  <a:cubicBezTo>
+                    <a:pt x="899573" y="0"/>
+                    <a:pt x="920633" y="8724"/>
+                    <a:pt x="936161" y="24251"/>
+                  </a:cubicBezTo>
+                  <a:cubicBezTo>
+                    <a:pt x="951689" y="39779"/>
+                    <a:pt x="960413" y="60840"/>
+                    <a:pt x="960413" y="82800"/>
+                  </a:cubicBezTo>
+                  <a:lnTo>
+                    <a:pt x="960413" y="277687"/>
+                  </a:lnTo>
+                  <a:cubicBezTo>
+                    <a:pt x="960413" y="299647"/>
+                    <a:pt x="951689" y="320707"/>
+                    <a:pt x="936161" y="336235"/>
+                  </a:cubicBezTo>
+                  <a:cubicBezTo>
+                    <a:pt x="920633" y="351763"/>
+                    <a:pt x="899573" y="360487"/>
+                    <a:pt x="877613" y="360487"/>
+                  </a:cubicBezTo>
+                  <a:lnTo>
+                    <a:pt x="82800" y="360487"/>
+                  </a:lnTo>
+                  <a:cubicBezTo>
+                    <a:pt x="60840" y="360487"/>
+                    <a:pt x="39779" y="351763"/>
+                    <a:pt x="24251" y="336235"/>
+                  </a:cubicBezTo>
+                  <a:cubicBezTo>
+                    <a:pt x="8724" y="320707"/>
+                    <a:pt x="0" y="299647"/>
+                    <a:pt x="0" y="277687"/>
+                  </a:cubicBezTo>
+                  <a:lnTo>
+                    <a:pt x="0" y="82800"/>
+                  </a:lnTo>
+                  <a:cubicBezTo>
+                    <a:pt x="0" y="60840"/>
+                    <a:pt x="8724" y="39779"/>
+                    <a:pt x="24251" y="24251"/>
+                  </a:cubicBezTo>
+                  <a:cubicBezTo>
+                    <a:pt x="39779" y="8724"/>
+                    <a:pt x="60840" y="0"/>
+                    <a:pt x="82800" y="0"/>
+                  </a:cubicBezTo>
+                  <a:close/>
+                </a:path>
+              </a:pathLst>
+            </a:custGeom>
+            <a:solidFill>
+              <a:srgbClr val="F7F3F0"/>
+            </a:solidFill>
+            <a:ln w="38100" cap="rnd">
+              <a:solidFill>
+                <a:srgbClr val="D78F28"/>
+              </a:solidFill>
+              <a:prstDash val="solid"/>
+              <a:round/>
+            </a:ln>
+          </p:spPr>
+          <p:txBody>
+            <a:bodyPr/>
+            <a:lstStyle/>
+            <a:p>
+              <a:endParaRPr lang="es-MX"/>
+            </a:p>
+          </p:txBody>
+        </p:sp>
+        <p:sp>
+          <p:nvSpPr>
+            <p:cNvPr id="16" name="TextBox 27">
+              <a:extLst>
+                <a:ext uri="{FF2B5EF4-FFF2-40B4-BE49-F238E27FC236}">
+                  <a16:creationId xmlns:a16="http://schemas.microsoft.com/office/drawing/2014/main" id="{ABFBB0ED-6CB0-0710-8E96-2012FEFA12F6}"/>
+                </a:ext>
+              </a:extLst>
+            </p:cNvPr>
+            <p:cNvSpPr txBox="1"/>
+            <p:nvPr/>
+          </p:nvSpPr>
+          <p:spPr>
+            <a:xfrm>
+              <a:off x="0" y="-38100"/>
+              <a:ext cx="960413" cy="398587"/>
+            </a:xfrm>
+            <a:prstGeom prst="rect">
+              <a:avLst/>
+            </a:prstGeom>
+          </p:spPr>
+          <p:txBody>
+            <a:bodyPr lIns="50800" tIns="50800" rIns="50800" bIns="50800" rtlCol="0" anchor="ctr"/>
+            <a:lstStyle/>
+            <a:p>
+              <a:pPr algn="ctr">
+                <a:lnSpc>
+                  <a:spcPts val="2659"/>
+                </a:lnSpc>
+              </a:pPr>
+              <a:endParaRPr/>
+            </a:p>
+          </p:txBody>
+        </p:sp>
+      </p:grpSp>
+      <p:sp>
+        <p:nvSpPr>
+          <p:cNvPr id="17" name="TextBox 31">
+            <a:extLst>
+              <a:ext uri="{FF2B5EF4-FFF2-40B4-BE49-F238E27FC236}">
+                <a16:creationId xmlns:a16="http://schemas.microsoft.com/office/drawing/2014/main" id="{4985D851-F232-C4ED-252B-C56BB19DBB2D}"/>
+              </a:ext>
+            </a:extLst>
+          </p:cNvPr>
+          <p:cNvSpPr txBox="1"/>
+          <p:nvPr/>
+        </p:nvSpPr>
+        <p:spPr>
+          <a:xfrm>
+            <a:off x="1069556" y="8611948"/>
+            <a:ext cx="4620004" cy="1011102"/>
+          </a:xfrm>
+          <a:prstGeom prst="rect">
+            <a:avLst/>
+          </a:prstGeom>
+        </p:spPr>
+        <p:txBody>
+          <a:bodyPr lIns="0" tIns="0" rIns="0" bIns="0" rtlCol="0" anchor="t">
+            <a:spAutoFit/>
+          </a:bodyPr>
+          <a:lstStyle/>
+          <a:p>
+            <a:pPr marL="0" lvl="1" indent="0" algn="l">
+              <a:lnSpc>
+                <a:spcPts val="8815"/>
+              </a:lnSpc>
+              <a:spcBef>
+                <a:spcPct val="0"/>
+              </a:spcBef>
+            </a:pPr>
+            <a:r>
+              <a:rPr lang="en-US" sz="4000" dirty="0">
+                <a:solidFill>
+                  <a:schemeClr val="accent6">
+                    <a:lumMod val="75000"/>
+                  </a:schemeClr>
+                </a:solidFill>
+                <a:latin typeface="Balsamiq Sans"/>
+                <a:ea typeface="Balsamiq Sans"/>
+                <a:cs typeface="Balsamiq Sans"/>
+                <a:sym typeface="Balsamiq Sans"/>
+                <a:hlinkClick r:id="rId16" action="ppaction://hlinksldjump">
+                  <a:extLst>
+                    <a:ext uri="{A12FA001-AC4F-418D-AE19-62706E023703}">
+                      <ahyp:hlinkClr xmlns:ahyp="http://schemas.microsoft.com/office/drawing/2018/hyperlinkcolor" val="tx"/>
+                    </a:ext>
+                  </a:extLst>
+                </a:hlinkClick>
+              </a:rPr>
+              <a:t>ATRAS</a:t>
+            </a:r>
+            <a:endParaRPr lang="en-US" sz="4000" dirty="0">
+              <a:solidFill>
+                <a:schemeClr val="accent6">
+                  <a:lumMod val="75000"/>
+                </a:schemeClr>
+              </a:solidFill>
+              <a:latin typeface="Balsamiq Sans"/>
+              <a:ea typeface="Balsamiq Sans"/>
+              <a:cs typeface="Balsamiq Sans"/>
+              <a:sym typeface="Balsamiq Sans"/>
+            </a:endParaRPr>
           </a:p>
         </p:txBody>
       </p:sp>
@@ -9905,7 +11233,7 @@
         </p:nvSpPr>
         <p:spPr>
           <a:xfrm>
-            <a:off x="-3236105" y="-7236605"/>
+            <a:off x="-3236105" y="-6107604"/>
             <a:ext cx="24760210" cy="24760210"/>
           </a:xfrm>
           <a:custGeom>
@@ -10218,7 +11546,7 @@
         </p:nvGrpSpPr>
         <p:grpSpPr>
           <a:xfrm>
-            <a:off x="952493" y="7022166"/>
+            <a:off x="867052" y="6994471"/>
             <a:ext cx="4670161" cy="896517"/>
             <a:chOff x="0" y="0"/>
             <a:chExt cx="1230001" cy="236120"/>
@@ -10498,7 +11826,7 @@
         </p:nvGrpSpPr>
         <p:grpSpPr>
           <a:xfrm>
-            <a:off x="5689560" y="7022166"/>
+            <a:off x="5622654" y="6979855"/>
             <a:ext cx="4670161" cy="896517"/>
             <a:chOff x="0" y="0"/>
             <a:chExt cx="1230001" cy="236120"/>
@@ -10506,7 +11834,9 @@
         </p:grpSpPr>
         <p:sp>
           <p:nvSpPr>
-            <p:cNvPr id="15" name="Freeform 15"/>
+            <p:cNvPr id="15" name="Freeform 15">
+              <a:hlinkClick r:id="rId7" action="ppaction://hlinksldjump"/>
+            </p:cNvPr>
             <p:cNvSpPr/>
             <p:nvPr/>
           </p:nvSpPr>
@@ -10669,10 +11999,10 @@
             </a:pathLst>
           </a:custGeom>
           <a:blipFill>
-            <a:blip r:embed="rId7">
+            <a:blip r:embed="rId8">
               <a:extLst>
                 <a:ext uri="{96DAC541-7B7A-43D3-8B79-37D633B846F1}">
-                  <asvg:svgBlip xmlns:asvg="http://schemas.microsoft.com/office/drawing/2016/SVG/main" r:embed="rId8"/>
+                  <asvg:svgBlip xmlns:asvg="http://schemas.microsoft.com/office/drawing/2016/SVG/main" r:embed="rId9"/>
                 </a:ext>
               </a:extLst>
             </a:blip>
@@ -10728,10 +12058,10 @@
             </a:pathLst>
           </a:custGeom>
           <a:blipFill>
-            <a:blip r:embed="rId9">
+            <a:blip r:embed="rId10">
               <a:extLst>
                 <a:ext uri="{96DAC541-7B7A-43D3-8B79-37D633B846F1}">
-                  <asvg:svgBlip xmlns:asvg="http://schemas.microsoft.com/office/drawing/2016/SVG/main" r:embed="rId10"/>
+                  <asvg:svgBlip xmlns:asvg="http://schemas.microsoft.com/office/drawing/2016/SVG/main" r:embed="rId11"/>
                 </a:ext>
               </a:extLst>
             </a:blip>
@@ -10756,7 +12086,7 @@
         </p:nvSpPr>
         <p:spPr>
           <a:xfrm>
-            <a:off x="237482" y="1028700"/>
+            <a:off x="313689" y="2077907"/>
             <a:ext cx="1430022" cy="1430022"/>
           </a:xfrm>
           <a:custGeom>
@@ -10787,10 +12117,10 @@
             </a:pathLst>
           </a:custGeom>
           <a:blipFill>
-            <a:blip r:embed="rId11">
+            <a:blip r:embed="rId12">
               <a:extLst>
                 <a:ext uri="{96DAC541-7B7A-43D3-8B79-37D633B846F1}">
-                  <asvg:svgBlip xmlns:asvg="http://schemas.microsoft.com/office/drawing/2016/SVG/main" r:embed="rId12"/>
+                  <asvg:svgBlip xmlns:asvg="http://schemas.microsoft.com/office/drawing/2016/SVG/main" r:embed="rId13"/>
                 </a:ext>
               </a:extLst>
             </a:blip>
@@ -10846,10 +12176,10 @@
             </a:pathLst>
           </a:custGeom>
           <a:blipFill>
-            <a:blip r:embed="rId13">
+            <a:blip r:embed="rId14">
               <a:extLst>
                 <a:ext uri="{96DAC541-7B7A-43D3-8B79-37D633B846F1}">
-                  <asvg:svgBlip xmlns:asvg="http://schemas.microsoft.com/office/drawing/2016/SVG/main" r:embed="rId14"/>
+                  <asvg:svgBlip xmlns:asvg="http://schemas.microsoft.com/office/drawing/2016/SVG/main" r:embed="rId15"/>
                 </a:ext>
               </a:extLst>
             </a:blip>
@@ -10874,8 +12204,8 @@
         </p:nvSpPr>
         <p:spPr>
           <a:xfrm>
-            <a:off x="1028700" y="2332507"/>
-            <a:ext cx="9924823" cy="1085755"/>
+            <a:off x="1176967" y="3040111"/>
+            <a:ext cx="9924823" cy="956800"/>
           </a:xfrm>
           <a:prstGeom prst="rect">
             <a:avLst/>
@@ -10896,16 +12226,28 @@
               </a:spcBef>
             </a:pPr>
             <a:r>
-              <a:rPr lang="en-US" sz="7121" spc="-455">
+              <a:rPr lang="en-US" sz="7121" spc="-455" dirty="0" err="1">
                 <a:solidFill>
-                  <a:srgbClr val="FFFAF8"/>
+                  <a:schemeClr val="accent6"/>
                 </a:solidFill>
                 <a:latin typeface="Bungee"/>
                 <a:ea typeface="Bungee"/>
                 <a:cs typeface="Bungee"/>
                 <a:sym typeface="Bungee"/>
               </a:rPr>
-              <a:t>opcion multiple</a:t>
+              <a:t>opCION</a:t>
+            </a:r>
+            <a:r>
+              <a:rPr lang="en-US" sz="7121" spc="-455" dirty="0">
+                <a:solidFill>
+                  <a:schemeClr val="accent6"/>
+                </a:solidFill>
+                <a:latin typeface="Bungee"/>
+                <a:ea typeface="Bungee"/>
+                <a:cs typeface="Bungee"/>
+                <a:sym typeface="Bungee"/>
+              </a:rPr>
+              <a:t> multiple</a:t>
             </a:r>
           </a:p>
         </p:txBody>
@@ -10937,7 +12279,7 @@
               </a:lnSpc>
             </a:pPr>
             <a:r>
-              <a:rPr lang="en-US" sz="4385" b="1">
+              <a:rPr lang="en-US" sz="4385" b="1" dirty="0" err="1">
                 <a:solidFill>
                   <a:srgbClr val="000000"/>
                 </a:solidFill>
@@ -10946,7 +12288,19 @@
                 <a:cs typeface="Balsamiq Sans Bold"/>
                 <a:sym typeface="Balsamiq Sans Bold"/>
               </a:rPr>
-              <a:t>Cuanto es 1 + 1?</a:t>
+              <a:t>Cuanto</a:t>
+            </a:r>
+            <a:r>
+              <a:rPr lang="en-US" sz="4385" b="1" dirty="0">
+                <a:solidFill>
+                  <a:srgbClr val="000000"/>
+                </a:solidFill>
+                <a:latin typeface="Balsamiq Sans Bold"/>
+                <a:ea typeface="Balsamiq Sans Bold"/>
+                <a:cs typeface="Balsamiq Sans Bold"/>
+                <a:sym typeface="Balsamiq Sans Bold"/>
+              </a:rPr>
+              <a:t> es 1 + 1?</a:t>
             </a:r>
           </a:p>
         </p:txBody>
@@ -10959,8 +12313,8 @@
         </p:nvSpPr>
         <p:spPr>
           <a:xfrm>
-            <a:off x="1379470" y="5683300"/>
-            <a:ext cx="4243184" cy="2120572"/>
+            <a:off x="1213751" y="5764958"/>
+            <a:ext cx="4243184" cy="1015086"/>
           </a:xfrm>
           <a:prstGeom prst="rect">
             <a:avLst/>
@@ -10972,108 +12326,33 @@
           </a:bodyPr>
           <a:lstStyle/>
           <a:p>
-            <a:pPr algn="l">
+            <a:pPr>
               <a:lnSpc>
                 <a:spcPts val="8815"/>
               </a:lnSpc>
             </a:pPr>
             <a:r>
-              <a:rPr lang="en-US" sz="4385">
-                <a:solidFill>
-                  <a:srgbClr val="000000"/>
-                </a:solidFill>
+              <a:rPr lang="en-US" sz="4385" dirty="0">
                 <a:latin typeface="Balsamiq Sans"/>
                 <a:ea typeface="Balsamiq Sans"/>
                 <a:cs typeface="Balsamiq Sans"/>
                 <a:sym typeface="Balsamiq Sans"/>
+                <a:hlinkClick r:id="rId7" action="ppaction://hlinksldjump">
+                  <a:extLst>
+                    <a:ext uri="{A12FA001-AC4F-418D-AE19-62706E023703}">
+                      <ahyp:hlinkClr xmlns:ahyp="http://schemas.microsoft.com/office/drawing/2018/hyperlinkcolor" val="tx"/>
+                    </a:ext>
+                  </a:extLst>
+                </a:hlinkClick>
               </a:rPr>
               <a:t>A. 3</a:t>
             </a:r>
-          </a:p>
-          <a:p>
-            <a:pPr algn="l">
-              <a:lnSpc>
-                <a:spcPts val="8815"/>
-              </a:lnSpc>
-            </a:pPr>
-            <a:r>
-              <a:rPr lang="en-US" sz="4385">
-                <a:solidFill>
-                  <a:srgbClr val="000000"/>
-                </a:solidFill>
-                <a:latin typeface="Balsamiq Sans"/>
-                <a:ea typeface="Balsamiq Sans"/>
-                <a:cs typeface="Balsamiq Sans"/>
-                <a:sym typeface="Balsamiq Sans"/>
-              </a:rPr>
-              <a:t>B. 4</a:t>
-            </a:r>
-          </a:p>
-        </p:txBody>
-      </p:sp>
-      <p:sp>
-        <p:nvSpPr>
-          <p:cNvPr id="24" name="TextBox 24"/>
-          <p:cNvSpPr txBox="1"/>
-          <p:nvPr/>
-        </p:nvSpPr>
-        <p:spPr>
-          <a:xfrm>
-            <a:off x="5892064" y="5683300"/>
-            <a:ext cx="4620004" cy="2130483"/>
-          </a:xfrm>
-          <a:prstGeom prst="rect">
-            <a:avLst/>
-          </a:prstGeom>
-        </p:spPr>
-        <p:txBody>
-          <a:bodyPr lIns="0" tIns="0" rIns="0" bIns="0" rtlCol="0" anchor="t">
-            <a:spAutoFit/>
-          </a:bodyPr>
-          <a:lstStyle/>
-          <a:p>
-            <a:pPr marL="0" lvl="1" indent="0" algn="l">
-              <a:lnSpc>
-                <a:spcPts val="8815"/>
-              </a:lnSpc>
-              <a:spcBef>
-                <a:spcPct val="0"/>
-              </a:spcBef>
-            </a:pPr>
-            <a:r>
-              <a:rPr lang="en-US" sz="4385" u="none" strike="noStrike">
-                <a:solidFill>
-                  <a:srgbClr val="000000"/>
-                </a:solidFill>
-                <a:latin typeface="Balsamiq Sans"/>
-                <a:ea typeface="Balsamiq Sans"/>
-                <a:cs typeface="Balsamiq Sans"/>
-                <a:sym typeface="Balsamiq Sans"/>
-              </a:rPr>
-              <a:t>C. 2</a:t>
-            </a:r>
-          </a:p>
-          <a:p>
-            <a:pPr marL="0" lvl="1" indent="0" algn="l">
-              <a:lnSpc>
-                <a:spcPts val="8815"/>
-              </a:lnSpc>
-              <a:spcBef>
-                <a:spcPct val="0"/>
-              </a:spcBef>
-            </a:pPr>
-            <a:r>
-              <a:rPr lang="en-US" sz="4385" u="none" strike="noStrike">
-                <a:solidFill>
-                  <a:srgbClr val="000000"/>
-                </a:solidFill>
-                <a:latin typeface="Balsamiq Sans"/>
-                <a:ea typeface="Balsamiq Sans"/>
-                <a:cs typeface="Balsamiq Sans"/>
-                <a:sym typeface="Balsamiq Sans"/>
-              </a:rPr>
-              <a:t>D. 5</a:t>
-            </a:r>
+            <a:endParaRPr lang="en-US" sz="4385" dirty="0">
+              <a:latin typeface="Balsamiq Sans"/>
+              <a:ea typeface="Balsamiq Sans"/>
+              <a:cs typeface="Balsamiq Sans"/>
+              <a:sym typeface="Balsamiq Sans"/>
+            </a:endParaRPr>
           </a:p>
         </p:txBody>
       </p:sp>
@@ -11085,7 +12364,7 @@
         </p:nvGrpSpPr>
         <p:grpSpPr>
           <a:xfrm>
-            <a:off x="764219" y="8604587"/>
+            <a:off x="685800" y="8573848"/>
             <a:ext cx="3646568" cy="1368724"/>
             <a:chOff x="0" y="0"/>
             <a:chExt cx="960413" cy="360487"/>
@@ -11247,17 +12526,208 @@
               </a:spcBef>
             </a:pPr>
             <a:r>
-              <a:rPr lang="en-US" sz="4385">
+              <a:rPr lang="en-US" sz="4000" dirty="0">
                 <a:solidFill>
-                  <a:srgbClr val="000000"/>
+                  <a:schemeClr val="accent6">
+                    <a:lumMod val="75000"/>
+                  </a:schemeClr>
                 </a:solidFill>
                 <a:latin typeface="Balsamiq Sans"/>
                 <a:ea typeface="Balsamiq Sans"/>
                 <a:cs typeface="Balsamiq Sans"/>
                 <a:sym typeface="Balsamiq Sans"/>
+                <a:hlinkClick r:id="" action="ppaction://hlinkshowjump?jump=previousslide">
+                  <a:extLst>
+                    <a:ext uri="{A12FA001-AC4F-418D-AE19-62706E023703}">
+                      <ahyp:hlinkClr xmlns:ahyp="http://schemas.microsoft.com/office/drawing/2018/hyperlinkcolor" val="tx"/>
+                    </a:ext>
+                  </a:extLst>
+                </a:hlinkClick>
               </a:rPr>
               <a:t>ATRAS</a:t>
             </a:r>
+            <a:endParaRPr lang="en-US" sz="4000" dirty="0">
+              <a:solidFill>
+                <a:schemeClr val="accent6">
+                  <a:lumMod val="75000"/>
+                </a:schemeClr>
+              </a:solidFill>
+              <a:latin typeface="Balsamiq Sans"/>
+              <a:ea typeface="Balsamiq Sans"/>
+              <a:cs typeface="Balsamiq Sans"/>
+              <a:sym typeface="Balsamiq Sans"/>
+            </a:endParaRPr>
+          </a:p>
+        </p:txBody>
+      </p:sp>
+      <p:sp>
+        <p:nvSpPr>
+          <p:cNvPr id="29" name="TextBox 23">
+            <a:extLst>
+              <a:ext uri="{FF2B5EF4-FFF2-40B4-BE49-F238E27FC236}">
+                <a16:creationId xmlns:a16="http://schemas.microsoft.com/office/drawing/2014/main" id="{25CB00CF-EF77-628B-1B92-3EF2FF7AA6D7}"/>
+              </a:ext>
+            </a:extLst>
+          </p:cNvPr>
+          <p:cNvSpPr txBox="1"/>
+          <p:nvPr/>
+        </p:nvSpPr>
+        <p:spPr>
+          <a:xfrm>
+            <a:off x="1176967" y="6861286"/>
+            <a:ext cx="4243184" cy="1015086"/>
+          </a:xfrm>
+          <a:prstGeom prst="rect">
+            <a:avLst/>
+          </a:prstGeom>
+        </p:spPr>
+        <p:txBody>
+          <a:bodyPr lIns="0" tIns="0" rIns="0" bIns="0" rtlCol="0" anchor="t">
+            <a:spAutoFit/>
+          </a:bodyPr>
+          <a:lstStyle/>
+          <a:p>
+            <a:pPr algn="l">
+              <a:lnSpc>
+                <a:spcPts val="8815"/>
+              </a:lnSpc>
+            </a:pPr>
+            <a:r>
+              <a:rPr lang="en-US" sz="4385" dirty="0">
+                <a:latin typeface="Balsamiq Sans"/>
+                <a:ea typeface="Balsamiq Sans"/>
+                <a:cs typeface="Balsamiq Sans"/>
+                <a:sym typeface="Balsamiq Sans"/>
+                <a:hlinkClick r:id="rId7" action="ppaction://hlinksldjump">
+                  <a:extLst>
+                    <a:ext uri="{A12FA001-AC4F-418D-AE19-62706E023703}">
+                      <ahyp:hlinkClr xmlns:ahyp="http://schemas.microsoft.com/office/drawing/2018/hyperlinkcolor" val="tx"/>
+                    </a:ext>
+                  </a:extLst>
+                </a:hlinkClick>
+              </a:rPr>
+              <a:t>B. 4</a:t>
+            </a:r>
+            <a:endParaRPr lang="en-US" sz="4385" dirty="0">
+              <a:latin typeface="Balsamiq Sans"/>
+              <a:ea typeface="Balsamiq Sans"/>
+              <a:cs typeface="Balsamiq Sans"/>
+              <a:sym typeface="Balsamiq Sans"/>
+            </a:endParaRPr>
+          </a:p>
+        </p:txBody>
+      </p:sp>
+      <p:sp>
+        <p:nvSpPr>
+          <p:cNvPr id="30" name="TextBox 23">
+            <a:extLst>
+              <a:ext uri="{FF2B5EF4-FFF2-40B4-BE49-F238E27FC236}">
+                <a16:creationId xmlns:a16="http://schemas.microsoft.com/office/drawing/2014/main" id="{595C115F-2E0E-5BAE-776E-44B0B8ED31D5}"/>
+              </a:ext>
+            </a:extLst>
+          </p:cNvPr>
+          <p:cNvSpPr txBox="1"/>
+          <p:nvPr/>
+        </p:nvSpPr>
+        <p:spPr>
+          <a:xfrm>
+            <a:off x="5908132" y="5684485"/>
+            <a:ext cx="4243184" cy="1015086"/>
+          </a:xfrm>
+          <a:prstGeom prst="rect">
+            <a:avLst/>
+          </a:prstGeom>
+        </p:spPr>
+        <p:txBody>
+          <a:bodyPr lIns="0" tIns="0" rIns="0" bIns="0" rtlCol="0" anchor="t">
+            <a:spAutoFit/>
+          </a:bodyPr>
+          <a:lstStyle/>
+          <a:p>
+            <a:pPr algn="l">
+              <a:lnSpc>
+                <a:spcPts val="8815"/>
+              </a:lnSpc>
+            </a:pPr>
+            <a:r>
+              <a:rPr lang="en-US" sz="4385" dirty="0">
+                <a:latin typeface="Balsamiq Sans"/>
+                <a:ea typeface="Balsamiq Sans"/>
+                <a:cs typeface="Balsamiq Sans"/>
+                <a:sym typeface="Balsamiq Sans"/>
+                <a:hlinkClick r:id="rId16" action="ppaction://hlinksldjump">
+                  <a:extLst>
+                    <a:ext uri="{A12FA001-AC4F-418D-AE19-62706E023703}">
+                      <ahyp:hlinkClr xmlns:ahyp="http://schemas.microsoft.com/office/drawing/2018/hyperlinkcolor" val="tx"/>
+                    </a:ext>
+                  </a:extLst>
+                </a:hlinkClick>
+              </a:rPr>
+              <a:t>C. 2</a:t>
+            </a:r>
+            <a:endParaRPr lang="en-US" sz="4385" dirty="0">
+              <a:latin typeface="Balsamiq Sans"/>
+              <a:ea typeface="Balsamiq Sans"/>
+              <a:cs typeface="Balsamiq Sans"/>
+              <a:sym typeface="Balsamiq Sans"/>
+            </a:endParaRPr>
+          </a:p>
+        </p:txBody>
+      </p:sp>
+      <p:sp>
+        <p:nvSpPr>
+          <p:cNvPr id="31" name="TextBox 23">
+            <a:extLst>
+              <a:ext uri="{FF2B5EF4-FFF2-40B4-BE49-F238E27FC236}">
+                <a16:creationId xmlns:a16="http://schemas.microsoft.com/office/drawing/2014/main" id="{DDBE2133-EC39-87A5-F592-7E12A31DEA1C}"/>
+              </a:ext>
+            </a:extLst>
+          </p:cNvPr>
+          <p:cNvSpPr txBox="1"/>
+          <p:nvPr/>
+        </p:nvSpPr>
+        <p:spPr>
+          <a:xfrm>
+            <a:off x="5956475" y="6795886"/>
+            <a:ext cx="4243184" cy="1015086"/>
+          </a:xfrm>
+          <a:prstGeom prst="rect">
+            <a:avLst/>
+          </a:prstGeom>
+        </p:spPr>
+        <p:txBody>
+          <a:bodyPr lIns="0" tIns="0" rIns="0" bIns="0" rtlCol="0" anchor="t">
+            <a:spAutoFit/>
+          </a:bodyPr>
+          <a:lstStyle/>
+          <a:p>
+            <a:pPr algn="l">
+              <a:lnSpc>
+                <a:spcPts val="8815"/>
+              </a:lnSpc>
+            </a:pPr>
+            <a:r>
+              <a:rPr lang="en-US" sz="4385" dirty="0">
+                <a:latin typeface="Balsamiq Sans"/>
+                <a:ea typeface="Balsamiq Sans"/>
+                <a:cs typeface="Balsamiq Sans"/>
+                <a:sym typeface="Balsamiq Sans"/>
+                <a:hlinkClick r:id="rId7" action="ppaction://hlinksldjump">
+                  <a:extLst>
+                    <a:ext uri="{A12FA001-AC4F-418D-AE19-62706E023703}">
+                      <ahyp:hlinkClr xmlns:ahyp="http://schemas.microsoft.com/office/drawing/2018/hyperlinkcolor" val="tx"/>
+                    </a:ext>
+                  </a:extLst>
+                </a:hlinkClick>
+              </a:rPr>
+              <a:t>D. 5</a:t>
+            </a:r>
+            <a:endParaRPr lang="en-US" sz="4385" dirty="0">
+              <a:latin typeface="Balsamiq Sans"/>
+              <a:ea typeface="Balsamiq Sans"/>
+              <a:cs typeface="Balsamiq Sans"/>
+              <a:sym typeface="Balsamiq Sans"/>
+            </a:endParaRPr>
           </a:p>
         </p:txBody>
       </p:sp>
@@ -12585,17 +14055,37 @@
               </a:spcBef>
             </a:pPr>
             <a:r>
-              <a:rPr lang="en-US" sz="4385">
+              <a:rPr lang="en-US" sz="4385" dirty="0">
                 <a:solidFill>
-                  <a:srgbClr val="000000"/>
+                  <a:schemeClr val="accent6">
+                    <a:lumMod val="75000"/>
+                  </a:schemeClr>
                 </a:solidFill>
                 <a:latin typeface="Balsamiq Sans"/>
                 <a:ea typeface="Balsamiq Sans"/>
                 <a:cs typeface="Balsamiq Sans"/>
                 <a:sym typeface="Balsamiq Sans"/>
+                <a:hlinkClick r:id="rId13" action="ppaction://hlinksldjump">
+                  <a:extLst>
+                    <a:ext uri="{A12FA001-AC4F-418D-AE19-62706E023703}">
+                      <ahyp:hlinkClr xmlns:ahyp="http://schemas.microsoft.com/office/drawing/2018/hyperlinkcolor" val="tx"/>
+                    </a:ext>
+                  </a:extLst>
+                </a:hlinkClick>
               </a:rPr>
               <a:t>ADELANTE</a:t>
             </a:r>
+            <a:endParaRPr lang="en-US" sz="4385" dirty="0">
+              <a:solidFill>
+                <a:schemeClr val="accent6">
+                  <a:lumMod val="75000"/>
+                </a:schemeClr>
+              </a:solidFill>
+              <a:latin typeface="Balsamiq Sans"/>
+              <a:ea typeface="Balsamiq Sans"/>
+              <a:cs typeface="Balsamiq Sans"/>
+              <a:sym typeface="Balsamiq Sans"/>
+            </a:endParaRPr>
           </a:p>
         </p:txBody>
       </p:sp>
@@ -12769,17 +14259,37 @@
               </a:spcBef>
             </a:pPr>
             <a:r>
-              <a:rPr lang="en-US" sz="4385">
+              <a:rPr lang="en-US" sz="4385" dirty="0">
                 <a:solidFill>
-                  <a:srgbClr val="000000"/>
+                  <a:schemeClr val="accent6">
+                    <a:lumMod val="75000"/>
+                  </a:schemeClr>
                 </a:solidFill>
                 <a:latin typeface="Balsamiq Sans"/>
                 <a:ea typeface="Balsamiq Sans"/>
                 <a:cs typeface="Balsamiq Sans"/>
                 <a:sym typeface="Balsamiq Sans"/>
+                <a:hlinkClick r:id="rId14" action="ppaction://hlinksldjump">
+                  <a:extLst>
+                    <a:ext uri="{A12FA001-AC4F-418D-AE19-62706E023703}">
+                      <ahyp:hlinkClr xmlns:ahyp="http://schemas.microsoft.com/office/drawing/2018/hyperlinkcolor" val="tx"/>
+                    </a:ext>
+                  </a:extLst>
+                </a:hlinkClick>
               </a:rPr>
               <a:t>ATRAS</a:t>
             </a:r>
+            <a:endParaRPr lang="en-US" sz="4385" dirty="0">
+              <a:solidFill>
+                <a:schemeClr val="accent6">
+                  <a:lumMod val="75000"/>
+                </a:schemeClr>
+              </a:solidFill>
+              <a:latin typeface="Balsamiq Sans"/>
+              <a:ea typeface="Balsamiq Sans"/>
+              <a:cs typeface="Balsamiq Sans"/>
+              <a:sym typeface="Balsamiq Sans"/>
+            </a:endParaRPr>
           </a:p>
         </p:txBody>
       </p:sp>
@@ -14107,17 +15617,37 @@
               </a:spcBef>
             </a:pPr>
             <a:r>
-              <a:rPr lang="en-US" sz="4385">
+              <a:rPr lang="en-US" sz="4385" dirty="0">
                 <a:solidFill>
-                  <a:srgbClr val="000000"/>
+                  <a:schemeClr val="accent6">
+                    <a:lumMod val="75000"/>
+                  </a:schemeClr>
                 </a:solidFill>
                 <a:latin typeface="Balsamiq Sans"/>
                 <a:ea typeface="Balsamiq Sans"/>
                 <a:cs typeface="Balsamiq Sans"/>
                 <a:sym typeface="Balsamiq Sans"/>
+                <a:hlinkClick r:id="rId13" action="ppaction://hlinksldjump">
+                  <a:extLst>
+                    <a:ext uri="{A12FA001-AC4F-418D-AE19-62706E023703}">
+                      <ahyp:hlinkClr xmlns:ahyp="http://schemas.microsoft.com/office/drawing/2018/hyperlinkcolor" val="tx"/>
+                    </a:ext>
+                  </a:extLst>
+                </a:hlinkClick>
               </a:rPr>
               <a:t>ATRAS</a:t>
             </a:r>
+            <a:endParaRPr lang="en-US" sz="4385" dirty="0">
+              <a:solidFill>
+                <a:schemeClr val="accent6">
+                  <a:lumMod val="75000"/>
+                </a:schemeClr>
+              </a:solidFill>
+              <a:latin typeface="Balsamiq Sans"/>
+              <a:ea typeface="Balsamiq Sans"/>
+              <a:cs typeface="Balsamiq Sans"/>
+              <a:sym typeface="Balsamiq Sans"/>
+            </a:endParaRPr>
           </a:p>
         </p:txBody>
       </p:sp>
@@ -14291,17 +15821,37 @@
               </a:spcBef>
             </a:pPr>
             <a:r>
-              <a:rPr lang="en-US" sz="4385">
+              <a:rPr lang="en-US" sz="4385" dirty="0">
                 <a:solidFill>
-                  <a:srgbClr val="000000"/>
+                  <a:schemeClr val="accent6">
+                    <a:lumMod val="75000"/>
+                  </a:schemeClr>
                 </a:solidFill>
                 <a:latin typeface="Balsamiq Sans"/>
                 <a:ea typeface="Balsamiq Sans"/>
                 <a:cs typeface="Balsamiq Sans"/>
                 <a:sym typeface="Balsamiq Sans"/>
+                <a:hlinkClick r:id="rId14" action="ppaction://hlinksldjump">
+                  <a:extLst>
+                    <a:ext uri="{A12FA001-AC4F-418D-AE19-62706E023703}">
+                      <ahyp:hlinkClr xmlns:ahyp="http://schemas.microsoft.com/office/drawing/2018/hyperlinkcolor" val="tx"/>
+                    </a:ext>
+                  </a:extLst>
+                </a:hlinkClick>
               </a:rPr>
               <a:t>ADELANTE</a:t>
             </a:r>
+            <a:endParaRPr lang="en-US" sz="4385" dirty="0">
+              <a:solidFill>
+                <a:schemeClr val="accent6">
+                  <a:lumMod val="75000"/>
+                </a:schemeClr>
+              </a:solidFill>
+              <a:latin typeface="Balsamiq Sans"/>
+              <a:ea typeface="Balsamiq Sans"/>
+              <a:cs typeface="Balsamiq Sans"/>
+              <a:sym typeface="Balsamiq Sans"/>
+            </a:endParaRPr>
           </a:p>
         </p:txBody>
       </p:sp>
@@ -14756,7 +16306,7 @@
         <p:spPr>
           <a:xfrm>
             <a:off x="1028700" y="2873862"/>
-            <a:ext cx="9924823" cy="1085755"/>
+            <a:ext cx="9924823" cy="956800"/>
           </a:xfrm>
           <a:prstGeom prst="rect">
             <a:avLst/>
@@ -14777,17 +16327,38 @@
               </a:spcBef>
             </a:pPr>
             <a:r>
-              <a:rPr lang="en-US" sz="7121" spc="-455">
+              <a:rPr lang="en-US" sz="7121" spc="-455" dirty="0">
                 <a:solidFill>
-                  <a:srgbClr val="FFFAF8"/>
+                  <a:schemeClr val="accent6"/>
                 </a:solidFill>
                 <a:latin typeface="Bungee"/>
                 <a:ea typeface="Bungee"/>
                 <a:cs typeface="Bungee"/>
                 <a:sym typeface="Bungee"/>
               </a:rPr>
-              <a:t>Falso o verdadero</a:t>
+              <a:t>Falso o </a:t>
             </a:r>
+            <a:r>
+              <a:rPr lang="en-US" sz="7121" spc="-455" dirty="0" err="1">
+                <a:solidFill>
+                  <a:schemeClr val="accent6"/>
+                </a:solidFill>
+                <a:latin typeface="Bungee"/>
+                <a:ea typeface="Bungee"/>
+                <a:cs typeface="Bungee"/>
+                <a:sym typeface="Bungee"/>
+              </a:rPr>
+              <a:t>verdadero</a:t>
+            </a:r>
+            <a:endParaRPr lang="en-US" sz="7121" spc="-455" dirty="0">
+              <a:solidFill>
+                <a:schemeClr val="accent6"/>
+              </a:solidFill>
+              <a:latin typeface="Bungee"/>
+              <a:ea typeface="Bungee"/>
+              <a:cs typeface="Bungee"/>
+              <a:sym typeface="Bungee"/>
+            </a:endParaRPr>
           </a:p>
         </p:txBody>
       </p:sp>
@@ -14989,17 +16560,27 @@
               </a:lnSpc>
             </a:pPr>
             <a:r>
-              <a:rPr lang="en-US" sz="4385">
-                <a:solidFill>
-                  <a:srgbClr val="000000"/>
-                </a:solidFill>
+              <a:rPr lang="en-US" sz="4385" dirty="0">
                 <a:latin typeface="Balsamiq Sans"/>
                 <a:ea typeface="Balsamiq Sans"/>
                 <a:cs typeface="Balsamiq Sans"/>
                 <a:sym typeface="Balsamiq Sans"/>
+                <a:hlinkClick r:id="rId15" action="ppaction://hlinksldjump">
+                  <a:extLst>
+                    <a:ext uri="{A12FA001-AC4F-418D-AE19-62706E023703}">
+                      <ahyp:hlinkClr xmlns:ahyp="http://schemas.microsoft.com/office/drawing/2018/hyperlinkcolor" val="tx"/>
+                    </a:ext>
+                  </a:extLst>
+                </a:hlinkClick>
               </a:rPr>
               <a:t>Verdadero</a:t>
             </a:r>
+            <a:endParaRPr lang="en-US" sz="4385" dirty="0">
+              <a:latin typeface="Balsamiq Sans"/>
+              <a:ea typeface="Balsamiq Sans"/>
+              <a:cs typeface="Balsamiq Sans"/>
+              <a:sym typeface="Balsamiq Sans"/>
+            </a:endParaRPr>
           </a:p>
         </p:txBody>
       </p:sp>
@@ -15165,17 +16746,27 @@
               </a:spcBef>
             </a:pPr>
             <a:r>
-              <a:rPr lang="en-US" sz="4385">
-                <a:solidFill>
-                  <a:srgbClr val="000000"/>
-                </a:solidFill>
+              <a:rPr lang="en-US" sz="4385" dirty="0">
                 <a:latin typeface="Balsamiq Sans"/>
                 <a:ea typeface="Balsamiq Sans"/>
                 <a:cs typeface="Balsamiq Sans"/>
                 <a:sym typeface="Balsamiq Sans"/>
+                <a:hlinkClick r:id="rId16" action="ppaction://hlinksldjump">
+                  <a:extLst>
+                    <a:ext uri="{A12FA001-AC4F-418D-AE19-62706E023703}">
+                      <ahyp:hlinkClr xmlns:ahyp="http://schemas.microsoft.com/office/drawing/2018/hyperlinkcolor" val="tx"/>
+                    </a:ext>
+                  </a:extLst>
+                </a:hlinkClick>
               </a:rPr>
               <a:t>Falso</a:t>
             </a:r>
+            <a:endParaRPr lang="en-US" sz="4385" dirty="0">
+              <a:latin typeface="Balsamiq Sans"/>
+              <a:ea typeface="Balsamiq Sans"/>
+              <a:cs typeface="Balsamiq Sans"/>
+              <a:sym typeface="Balsamiq Sans"/>
+            </a:endParaRPr>
           </a:p>
         </p:txBody>
       </p:sp>
@@ -15349,17 +16940,37 @@
               </a:spcBef>
             </a:pPr>
             <a:r>
-              <a:rPr lang="en-US" sz="4385">
+              <a:rPr lang="en-US" sz="4385" dirty="0">
                 <a:solidFill>
-                  <a:srgbClr val="000000"/>
+                  <a:schemeClr val="accent6">
+                    <a:lumMod val="75000"/>
+                  </a:schemeClr>
                 </a:solidFill>
                 <a:latin typeface="Balsamiq Sans"/>
                 <a:ea typeface="Balsamiq Sans"/>
                 <a:cs typeface="Balsamiq Sans"/>
                 <a:sym typeface="Balsamiq Sans"/>
+                <a:hlinkClick r:id="rId17" action="ppaction://hlinksldjump">
+                  <a:extLst>
+                    <a:ext uri="{A12FA001-AC4F-418D-AE19-62706E023703}">
+                      <ahyp:hlinkClr xmlns:ahyp="http://schemas.microsoft.com/office/drawing/2018/hyperlinkcolor" val="tx"/>
+                    </a:ext>
+                  </a:extLst>
+                </a:hlinkClick>
               </a:rPr>
               <a:t>ATRAS</a:t>
             </a:r>
+            <a:endParaRPr lang="en-US" sz="4385" dirty="0">
+              <a:solidFill>
+                <a:schemeClr val="accent6">
+                  <a:lumMod val="75000"/>
+                </a:schemeClr>
+              </a:solidFill>
+              <a:latin typeface="Balsamiq Sans"/>
+              <a:ea typeface="Balsamiq Sans"/>
+              <a:cs typeface="Balsamiq Sans"/>
+              <a:sym typeface="Balsamiq Sans"/>
+            </a:endParaRPr>
           </a:p>
         </p:txBody>
       </p:sp>
@@ -15944,7 +17555,7 @@
         <p:spPr>
           <a:xfrm>
             <a:off x="1028700" y="2808805"/>
-            <a:ext cx="9924823" cy="1085755"/>
+            <a:ext cx="9924823" cy="956800"/>
           </a:xfrm>
           <a:prstGeom prst="rect">
             <a:avLst/>
@@ -15965,9 +17576,9 @@
               </a:spcBef>
             </a:pPr>
             <a:r>
-              <a:rPr lang="en-US" sz="7121" spc="-455">
+              <a:rPr lang="en-US" sz="7121" spc="-455" dirty="0" err="1">
                 <a:solidFill>
-                  <a:srgbClr val="FFFAF8"/>
+                  <a:srgbClr val="C00000"/>
                 </a:solidFill>
                 <a:latin typeface="Bungee"/>
                 <a:ea typeface="Bungee"/>
@@ -15975,6 +17586,18 @@
                 <a:sym typeface="Bungee"/>
               </a:rPr>
               <a:t>Incorrecto</a:t>
+            </a:r>
+            <a:r>
+              <a:rPr lang="en-US" sz="7121" spc="-455" dirty="0">
+                <a:solidFill>
+                  <a:srgbClr val="C00000"/>
+                </a:solidFill>
+                <a:latin typeface="Bungee"/>
+                <a:ea typeface="Bungee"/>
+                <a:cs typeface="Bungee"/>
+                <a:sym typeface="Bungee"/>
+              </a:rPr>
+              <a:t>!</a:t>
             </a:r>
           </a:p>
         </p:txBody>
@@ -16047,7 +17670,7 @@
               </a:lnSpc>
             </a:pPr>
             <a:r>
-              <a:rPr lang="en-US" sz="4385">
+              <a:rPr lang="en-US" sz="4385" dirty="0">
                 <a:solidFill>
                   <a:srgbClr val="000000"/>
                 </a:solidFill>
@@ -16589,17 +18212,37 @@
               </a:spcBef>
             </a:pPr>
             <a:r>
-              <a:rPr lang="en-US" sz="4385">
+              <a:rPr lang="en-US" sz="4385" dirty="0">
                 <a:solidFill>
-                  <a:srgbClr val="000000"/>
+                  <a:schemeClr val="accent6">
+                    <a:lumMod val="75000"/>
+                  </a:schemeClr>
                 </a:solidFill>
                 <a:latin typeface="Balsamiq Sans"/>
                 <a:ea typeface="Balsamiq Sans"/>
                 <a:cs typeface="Balsamiq Sans"/>
                 <a:sym typeface="Balsamiq Sans"/>
+                <a:hlinkClick r:id="rId15" action="ppaction://hlinksldjump">
+                  <a:extLst>
+                    <a:ext uri="{A12FA001-AC4F-418D-AE19-62706E023703}">
+                      <ahyp:hlinkClr xmlns:ahyp="http://schemas.microsoft.com/office/drawing/2018/hyperlinkcolor" val="tx"/>
+                    </a:ext>
+                  </a:extLst>
+                </a:hlinkClick>
               </a:rPr>
               <a:t>ATRAS</a:t>
             </a:r>
+            <a:endParaRPr lang="en-US" sz="4385" dirty="0">
+              <a:solidFill>
+                <a:schemeClr val="accent6">
+                  <a:lumMod val="75000"/>
+                </a:schemeClr>
+              </a:solidFill>
+              <a:latin typeface="Balsamiq Sans"/>
+              <a:ea typeface="Balsamiq Sans"/>
+              <a:cs typeface="Balsamiq Sans"/>
+              <a:sym typeface="Balsamiq Sans"/>
+            </a:endParaRPr>
           </a:p>
         </p:txBody>
       </p:sp>
@@ -16633,17 +18276,37 @@
               </a:spcBef>
             </a:pPr>
             <a:r>
-              <a:rPr lang="en-US" sz="4385">
+              <a:rPr lang="en-US" sz="4385" dirty="0">
                 <a:solidFill>
-                  <a:srgbClr val="000000"/>
+                  <a:schemeClr val="accent6">
+                    <a:lumMod val="75000"/>
+                  </a:schemeClr>
                 </a:solidFill>
                 <a:latin typeface="Balsamiq Sans"/>
                 <a:ea typeface="Balsamiq Sans"/>
                 <a:cs typeface="Balsamiq Sans"/>
                 <a:sym typeface="Balsamiq Sans"/>
+                <a:hlinkClick r:id="rId16" action="ppaction://hlinksldjump">
+                  <a:extLst>
+                    <a:ext uri="{A12FA001-AC4F-418D-AE19-62706E023703}">
+                      <ahyp:hlinkClr xmlns:ahyp="http://schemas.microsoft.com/office/drawing/2018/hyperlinkcolor" val="tx"/>
+                    </a:ext>
+                  </a:extLst>
+                </a:hlinkClick>
               </a:rPr>
               <a:t>ADELANTE</a:t>
             </a:r>
+            <a:endParaRPr lang="en-US" sz="4385" dirty="0">
+              <a:solidFill>
+                <a:schemeClr val="accent6">
+                  <a:lumMod val="75000"/>
+                </a:schemeClr>
+              </a:solidFill>
+              <a:latin typeface="Balsamiq Sans"/>
+              <a:ea typeface="Balsamiq Sans"/>
+              <a:cs typeface="Balsamiq Sans"/>
+              <a:sym typeface="Balsamiq Sans"/>
+            </a:endParaRPr>
           </a:p>
         </p:txBody>
       </p:sp>
@@ -17228,7 +18891,7 @@
         <p:spPr>
           <a:xfrm>
             <a:off x="1028700" y="2808805"/>
-            <a:ext cx="9924823" cy="1085755"/>
+            <a:ext cx="9924823" cy="956800"/>
           </a:xfrm>
           <a:prstGeom prst="rect">
             <a:avLst/>
@@ -17249,9 +18912,9 @@
               </a:spcBef>
             </a:pPr>
             <a:r>
-              <a:rPr lang="en-US" sz="7121" spc="-455">
+              <a:rPr lang="en-US" sz="7121" spc="-455" dirty="0" err="1">
                 <a:solidFill>
-                  <a:srgbClr val="FFFAF8"/>
+                  <a:srgbClr val="00B050"/>
                 </a:solidFill>
                 <a:latin typeface="Bungee"/>
                 <a:ea typeface="Bungee"/>
@@ -17260,6 +18923,15 @@
               </a:rPr>
               <a:t>correcto</a:t>
             </a:r>
+            <a:endParaRPr lang="en-US" sz="7121" spc="-455" dirty="0">
+              <a:solidFill>
+                <a:srgbClr val="00B050"/>
+              </a:solidFill>
+              <a:latin typeface="Bungee"/>
+              <a:ea typeface="Bungee"/>
+              <a:cs typeface="Bungee"/>
+              <a:sym typeface="Bungee"/>
+            </a:endParaRPr>
           </a:p>
         </p:txBody>
       </p:sp>
@@ -17873,17 +19545,37 @@
               </a:spcBef>
             </a:pPr>
             <a:r>
-              <a:rPr lang="en-US" sz="4385">
+              <a:rPr lang="en-US" sz="4385" dirty="0">
                 <a:solidFill>
-                  <a:srgbClr val="000000"/>
+                  <a:schemeClr val="accent6">
+                    <a:lumMod val="75000"/>
+                  </a:schemeClr>
                 </a:solidFill>
                 <a:latin typeface="Balsamiq Sans"/>
                 <a:ea typeface="Balsamiq Sans"/>
                 <a:cs typeface="Balsamiq Sans"/>
                 <a:sym typeface="Balsamiq Sans"/>
+                <a:hlinkClick r:id="rId15" action="ppaction://hlinksldjump">
+                  <a:extLst>
+                    <a:ext uri="{A12FA001-AC4F-418D-AE19-62706E023703}">
+                      <ahyp:hlinkClr xmlns:ahyp="http://schemas.microsoft.com/office/drawing/2018/hyperlinkcolor" val="tx"/>
+                    </a:ext>
+                  </a:extLst>
+                </a:hlinkClick>
               </a:rPr>
               <a:t>ATRAS</a:t>
             </a:r>
+            <a:endParaRPr lang="en-US" sz="4385" dirty="0">
+              <a:solidFill>
+                <a:schemeClr val="accent6">
+                  <a:lumMod val="75000"/>
+                </a:schemeClr>
+              </a:solidFill>
+              <a:latin typeface="Balsamiq Sans"/>
+              <a:ea typeface="Balsamiq Sans"/>
+              <a:cs typeface="Balsamiq Sans"/>
+              <a:sym typeface="Balsamiq Sans"/>
+            </a:endParaRPr>
           </a:p>
         </p:txBody>
       </p:sp>
@@ -17917,17 +19609,37 @@
               </a:spcBef>
             </a:pPr>
             <a:r>
-              <a:rPr lang="en-US" sz="4385">
+              <a:rPr lang="en-US" sz="4385" dirty="0">
                 <a:solidFill>
-                  <a:srgbClr val="000000"/>
+                  <a:schemeClr val="accent6">
+                    <a:lumMod val="75000"/>
+                  </a:schemeClr>
                 </a:solidFill>
                 <a:latin typeface="Balsamiq Sans"/>
                 <a:ea typeface="Balsamiq Sans"/>
                 <a:cs typeface="Balsamiq Sans"/>
                 <a:sym typeface="Balsamiq Sans"/>
+                <a:hlinkClick r:id="rId16" action="ppaction://hlinksldjump">
+                  <a:extLst>
+                    <a:ext uri="{A12FA001-AC4F-418D-AE19-62706E023703}">
+                      <ahyp:hlinkClr xmlns:ahyp="http://schemas.microsoft.com/office/drawing/2018/hyperlinkcolor" val="tx"/>
+                    </a:ext>
+                  </a:extLst>
+                </a:hlinkClick>
               </a:rPr>
               <a:t>ADELANTE</a:t>
             </a:r>
+            <a:endParaRPr lang="en-US" sz="4385" dirty="0">
+              <a:solidFill>
+                <a:schemeClr val="accent6">
+                  <a:lumMod val="75000"/>
+                </a:schemeClr>
+              </a:solidFill>
+              <a:latin typeface="Balsamiq Sans"/>
+              <a:ea typeface="Balsamiq Sans"/>
+              <a:cs typeface="Balsamiq Sans"/>
+              <a:sym typeface="Balsamiq Sans"/>
+            </a:endParaRPr>
           </a:p>
         </p:txBody>
       </p:sp>
